--- a/presentation/presentation.pptx
+++ b/presentation/presentation.pptx
@@ -10,7 +10,18 @@
     <p:sldId id="260" r:id="rId4"/>
     <p:sldId id="258" r:id="rId5"/>
     <p:sldId id="259" r:id="rId6"/>
-    <p:sldId id="261" r:id="rId7"/>
+    <p:sldId id="262" r:id="rId7"/>
+    <p:sldId id="263" r:id="rId8"/>
+    <p:sldId id="264" r:id="rId9"/>
+    <p:sldId id="265" r:id="rId10"/>
+    <p:sldId id="266" r:id="rId11"/>
+    <p:sldId id="267" r:id="rId12"/>
+    <p:sldId id="268" r:id="rId13"/>
+    <p:sldId id="269" r:id="rId14"/>
+    <p:sldId id="270" r:id="rId15"/>
+    <p:sldId id="271" r:id="rId16"/>
+    <p:sldId id="272" r:id="rId17"/>
+    <p:sldId id="261" r:id="rId18"/>
   </p:sldIdLst>
   <p:sldSz cx="12192000" cy="6858000"/>
   <p:notesSz cx="6858000" cy="9144000"/>
@@ -109,6 +120,11 @@
       </a:defRPr>
     </a:lvl9pPr>
   </p:defaultTextStyle>
+  <p:extLst>
+    <p:ext uri="{EFAFB233-063F-42B5-8137-9DF3F51BA10A}">
+      <p15:sldGuideLst xmlns:p15="http://schemas.microsoft.com/office/powerpoint/2012/main"/>
+    </p:ext>
+  </p:extLst>
 </p:presentation>
 </file>
 
@@ -173,7 +189,7 @@
           <a:noFill/>
           <a:extLst>
             <a:ext uri="{909E8E84-426E-40dd-AFC4-6F175D3DCCD1}">
-              <a14:hiddenFill xmlns:a14="http://schemas.microsoft.com/office/drawing/2010/main" xmlns="">
+              <a14:hiddenFill xmlns="" xmlns:a14="http://schemas.microsoft.com/office/drawing/2010/main">
                 <a:solidFill>
                   <a:srgbClr val="FFFFFF"/>
                 </a:solidFill>
@@ -232,7 +248,7 @@
             </a:ln>
             <a:extLst>
               <a:ext uri="{91240B29-F687-4f45-9708-019B960494DF}">
-                <a14:hiddenLine xmlns:a14="http://schemas.microsoft.com/office/drawing/2010/main" xmlns="" w="9525">
+                <a14:hiddenLine xmlns="" xmlns:a14="http://schemas.microsoft.com/office/drawing/2010/main" w="9525">
                   <a:solidFill>
                     <a:srgbClr val="000000"/>
                   </a:solidFill>
@@ -322,7 +338,7 @@
             </a:ln>
             <a:extLst>
               <a:ext uri="{91240B29-F687-4f45-9708-019B960494DF}">
-                <a14:hiddenLine xmlns:a14="http://schemas.microsoft.com/office/drawing/2010/main" xmlns="" w="9525">
+                <a14:hiddenLine xmlns="" xmlns:a14="http://schemas.microsoft.com/office/drawing/2010/main" w="9525">
                   <a:solidFill>
                     <a:srgbClr val="000000"/>
                   </a:solidFill>
@@ -412,7 +428,7 @@
             </a:ln>
             <a:extLst>
               <a:ext uri="{91240B29-F687-4f45-9708-019B960494DF}">
-                <a14:hiddenLine xmlns:a14="http://schemas.microsoft.com/office/drawing/2010/main" xmlns="" w="9525">
+                <a14:hiddenLine xmlns="" xmlns:a14="http://schemas.microsoft.com/office/drawing/2010/main" w="9525">
                   <a:solidFill>
                     <a:srgbClr val="000000"/>
                   </a:solidFill>
@@ -446,7 +462,7 @@
             </a:ln>
             <a:extLst>
               <a:ext uri="{91240B29-F687-4f45-9708-019B960494DF}">
-                <a14:hiddenLine xmlns:a14="http://schemas.microsoft.com/office/drawing/2010/main" xmlns="" w="9525">
+                <a14:hiddenLine xmlns="" xmlns:a14="http://schemas.microsoft.com/office/drawing/2010/main" w="9525">
                   <a:solidFill>
                     <a:srgbClr val="000000"/>
                   </a:solidFill>
@@ -536,7 +552,7 @@
             </a:ln>
             <a:extLst>
               <a:ext uri="{91240B29-F687-4f45-9708-019B960494DF}">
-                <a14:hiddenLine xmlns:a14="http://schemas.microsoft.com/office/drawing/2010/main" xmlns="" w="9525">
+                <a14:hiddenLine xmlns="" xmlns:a14="http://schemas.microsoft.com/office/drawing/2010/main" w="9525">
                   <a:solidFill>
                     <a:srgbClr val="000000"/>
                   </a:solidFill>
@@ -598,7 +614,7 @@
             </a:ln>
             <a:extLst>
               <a:ext uri="{91240B29-F687-4f45-9708-019B960494DF}">
-                <a14:hiddenLine xmlns:a14="http://schemas.microsoft.com/office/drawing/2010/main" xmlns="" w="9525">
+                <a14:hiddenLine xmlns="" xmlns:a14="http://schemas.microsoft.com/office/drawing/2010/main" w="9525">
                   <a:solidFill>
                     <a:srgbClr val="000000"/>
                   </a:solidFill>
@@ -660,7 +676,7 @@
             </a:ln>
             <a:extLst>
               <a:ext uri="{91240B29-F687-4f45-9708-019B960494DF}">
-                <a14:hiddenLine xmlns:a14="http://schemas.microsoft.com/office/drawing/2010/main" xmlns="" w="9525">
+                <a14:hiddenLine xmlns="" xmlns:a14="http://schemas.microsoft.com/office/drawing/2010/main" w="9525">
                   <a:solidFill>
                     <a:srgbClr val="000000"/>
                   </a:solidFill>
@@ -750,7 +766,7 @@
             </a:ln>
             <a:extLst>
               <a:ext uri="{91240B29-F687-4f45-9708-019B960494DF}">
-                <a14:hiddenLine xmlns:a14="http://schemas.microsoft.com/office/drawing/2010/main" xmlns="" w="9525">
+                <a14:hiddenLine xmlns="" xmlns:a14="http://schemas.microsoft.com/office/drawing/2010/main" w="9525">
                   <a:solidFill>
                     <a:srgbClr val="000000"/>
                   </a:solidFill>
@@ -812,7 +828,7 @@
             </a:ln>
             <a:extLst>
               <a:ext uri="{91240B29-F687-4f45-9708-019B960494DF}">
-                <a14:hiddenLine xmlns:a14="http://schemas.microsoft.com/office/drawing/2010/main" xmlns="" w="9525">
+                <a14:hiddenLine xmlns="" xmlns:a14="http://schemas.microsoft.com/office/drawing/2010/main" w="9525">
                   <a:solidFill>
                     <a:srgbClr val="000000"/>
                   </a:solidFill>
@@ -874,7 +890,7 @@
             </a:ln>
             <a:extLst>
               <a:ext uri="{91240B29-F687-4f45-9708-019B960494DF}">
-                <a14:hiddenLine xmlns:a14="http://schemas.microsoft.com/office/drawing/2010/main" xmlns="" w="9525">
+                <a14:hiddenLine xmlns="" xmlns:a14="http://schemas.microsoft.com/office/drawing/2010/main" w="9525">
                   <a:solidFill>
                     <a:srgbClr val="000000"/>
                   </a:solidFill>
@@ -964,7 +980,7 @@
             </a:ln>
             <a:extLst>
               <a:ext uri="{91240B29-F687-4f45-9708-019B960494DF}">
-                <a14:hiddenLine xmlns:a14="http://schemas.microsoft.com/office/drawing/2010/main" xmlns="" w="9525">
+                <a14:hiddenLine xmlns="" xmlns:a14="http://schemas.microsoft.com/office/drawing/2010/main" w="9525">
                   <a:solidFill>
                     <a:srgbClr val="000000"/>
                   </a:solidFill>
@@ -1054,7 +1070,7 @@
             </a:ln>
             <a:extLst>
               <a:ext uri="{91240B29-F687-4f45-9708-019B960494DF}">
-                <a14:hiddenLine xmlns:a14="http://schemas.microsoft.com/office/drawing/2010/main" xmlns="" w="9525">
+                <a14:hiddenLine xmlns="" xmlns:a14="http://schemas.microsoft.com/office/drawing/2010/main" w="9525">
                   <a:solidFill>
                     <a:srgbClr val="000000"/>
                   </a:solidFill>
@@ -1116,7 +1132,7 @@
             </a:ln>
             <a:extLst>
               <a:ext uri="{91240B29-F687-4f45-9708-019B960494DF}">
-                <a14:hiddenLine xmlns:a14="http://schemas.microsoft.com/office/drawing/2010/main" xmlns="" w="9525">
+                <a14:hiddenLine xmlns="" xmlns:a14="http://schemas.microsoft.com/office/drawing/2010/main" w="9525">
                   <a:solidFill>
                     <a:srgbClr val="000000"/>
                   </a:solidFill>
@@ -1226,7 +1242,7 @@
             </a:ln>
             <a:extLst>
               <a:ext uri="{91240B29-F687-4f45-9708-019B960494DF}">
-                <a14:hiddenLine xmlns:a14="http://schemas.microsoft.com/office/drawing/2010/main" xmlns="" w="9525">
+                <a14:hiddenLine xmlns="" xmlns:a14="http://schemas.microsoft.com/office/drawing/2010/main" w="9525">
                   <a:solidFill>
                     <a:srgbClr val="000000"/>
                   </a:solidFill>
@@ -1288,7 +1304,7 @@
             </a:ln>
             <a:extLst>
               <a:ext uri="{91240B29-F687-4f45-9708-019B960494DF}">
-                <a14:hiddenLine xmlns:a14="http://schemas.microsoft.com/office/drawing/2010/main" xmlns="" w="9525">
+                <a14:hiddenLine xmlns="" xmlns:a14="http://schemas.microsoft.com/office/drawing/2010/main" w="9525">
                   <a:solidFill>
                     <a:srgbClr val="000000"/>
                   </a:solidFill>
@@ -1378,7 +1394,7 @@
             </a:ln>
             <a:extLst>
               <a:ext uri="{91240B29-F687-4f45-9708-019B960494DF}">
-                <a14:hiddenLine xmlns:a14="http://schemas.microsoft.com/office/drawing/2010/main" xmlns="" w="9525">
+                <a14:hiddenLine xmlns="" xmlns:a14="http://schemas.microsoft.com/office/drawing/2010/main" w="9525">
                   <a:solidFill>
                     <a:srgbClr val="000000"/>
                   </a:solidFill>
@@ -1468,7 +1484,7 @@
             </a:ln>
             <a:extLst>
               <a:ext uri="{91240B29-F687-4f45-9708-019B960494DF}">
-                <a14:hiddenLine xmlns:a14="http://schemas.microsoft.com/office/drawing/2010/main" xmlns="" w="9525">
+                <a14:hiddenLine xmlns="" xmlns:a14="http://schemas.microsoft.com/office/drawing/2010/main" w="9525">
                   <a:solidFill>
                     <a:srgbClr val="000000"/>
                   </a:solidFill>
@@ -1530,7 +1546,7 @@
             </a:ln>
             <a:extLst>
               <a:ext uri="{91240B29-F687-4f45-9708-019B960494DF}">
-                <a14:hiddenLine xmlns:a14="http://schemas.microsoft.com/office/drawing/2010/main" xmlns="" w="9525">
+                <a14:hiddenLine xmlns="" xmlns:a14="http://schemas.microsoft.com/office/drawing/2010/main" w="9525">
                   <a:solidFill>
                     <a:srgbClr val="000000"/>
                   </a:solidFill>
@@ -1620,7 +1636,7 @@
             </a:ln>
             <a:extLst>
               <a:ext uri="{91240B29-F687-4f45-9708-019B960494DF}">
-                <a14:hiddenLine xmlns:a14="http://schemas.microsoft.com/office/drawing/2010/main" xmlns="" w="9525">
+                <a14:hiddenLine xmlns="" xmlns:a14="http://schemas.microsoft.com/office/drawing/2010/main" w="9525">
                   <a:solidFill>
                     <a:srgbClr val="000000"/>
                   </a:solidFill>
@@ -1710,7 +1726,7 @@
             </a:ln>
             <a:extLst>
               <a:ext uri="{91240B29-F687-4f45-9708-019B960494DF}">
-                <a14:hiddenLine xmlns:a14="http://schemas.microsoft.com/office/drawing/2010/main" xmlns="" w="9525">
+                <a14:hiddenLine xmlns="" xmlns:a14="http://schemas.microsoft.com/office/drawing/2010/main" w="9525">
                   <a:solidFill>
                     <a:srgbClr val="000000"/>
                   </a:solidFill>
@@ -1766,7 +1782,7 @@
             </a:ln>
             <a:extLst>
               <a:ext uri="{91240B29-F687-4f45-9708-019B960494DF}">
-                <a14:hiddenLine xmlns:a14="http://schemas.microsoft.com/office/drawing/2010/main" xmlns="" w="9525">
+                <a14:hiddenLine xmlns="" xmlns:a14="http://schemas.microsoft.com/office/drawing/2010/main" w="9525">
                   <a:solidFill>
                     <a:srgbClr val="000000"/>
                   </a:solidFill>
@@ -1856,7 +1872,7 @@
             </a:ln>
             <a:extLst>
               <a:ext uri="{91240B29-F687-4f45-9708-019B960494DF}">
-                <a14:hiddenLine xmlns:a14="http://schemas.microsoft.com/office/drawing/2010/main" xmlns="" w="9525">
+                <a14:hiddenLine xmlns="" xmlns:a14="http://schemas.microsoft.com/office/drawing/2010/main" w="9525">
                   <a:solidFill>
                     <a:srgbClr val="000000"/>
                   </a:solidFill>
@@ -1912,7 +1928,7 @@
             </a:ln>
             <a:extLst>
               <a:ext uri="{91240B29-F687-4f45-9708-019B960494DF}">
-                <a14:hiddenLine xmlns:a14="http://schemas.microsoft.com/office/drawing/2010/main" xmlns="" w="9525">
+                <a14:hiddenLine xmlns="" xmlns:a14="http://schemas.microsoft.com/office/drawing/2010/main" w="9525">
                   <a:solidFill>
                     <a:srgbClr val="000000"/>
                   </a:solidFill>
@@ -2002,7 +2018,7 @@
             </a:ln>
             <a:extLst>
               <a:ext uri="{91240B29-F687-4f45-9708-019B960494DF}">
-                <a14:hiddenLine xmlns:a14="http://schemas.microsoft.com/office/drawing/2010/main" xmlns="" w="9525">
+                <a14:hiddenLine xmlns="" xmlns:a14="http://schemas.microsoft.com/office/drawing/2010/main" w="9525">
                   <a:solidFill>
                     <a:srgbClr val="000000"/>
                   </a:solidFill>
@@ -2070,7 +2086,7 @@
             </a:ln>
             <a:extLst>
               <a:ext uri="{91240B29-F687-4f45-9708-019B960494DF}">
-                <a14:hiddenLine xmlns:a14="http://schemas.microsoft.com/office/drawing/2010/main" xmlns="" w="9525">
+                <a14:hiddenLine xmlns="" xmlns:a14="http://schemas.microsoft.com/office/drawing/2010/main" w="9525">
                   <a:solidFill>
                     <a:srgbClr val="000000"/>
                   </a:solidFill>
@@ -2160,7 +2176,7 @@
             </a:ln>
             <a:extLst>
               <a:ext uri="{91240B29-F687-4f45-9708-019B960494DF}">
-                <a14:hiddenLine xmlns:a14="http://schemas.microsoft.com/office/drawing/2010/main" xmlns="" w="9525">
+                <a14:hiddenLine xmlns="" xmlns:a14="http://schemas.microsoft.com/office/drawing/2010/main" w="9525">
                   <a:solidFill>
                     <a:srgbClr val="000000"/>
                   </a:solidFill>
@@ -2228,7 +2244,7 @@
             </a:ln>
             <a:extLst>
               <a:ext uri="{91240B29-F687-4f45-9708-019B960494DF}">
-                <a14:hiddenLine xmlns:a14="http://schemas.microsoft.com/office/drawing/2010/main" xmlns="" w="9525">
+                <a14:hiddenLine xmlns="" xmlns:a14="http://schemas.microsoft.com/office/drawing/2010/main" w="9525">
                   <a:solidFill>
                     <a:srgbClr val="000000"/>
                   </a:solidFill>
@@ -2318,7 +2334,7 @@
             </a:ln>
             <a:extLst>
               <a:ext uri="{91240B29-F687-4f45-9708-019B960494DF}">
-                <a14:hiddenLine xmlns:a14="http://schemas.microsoft.com/office/drawing/2010/main" xmlns="" w="9525">
+                <a14:hiddenLine xmlns="" xmlns:a14="http://schemas.microsoft.com/office/drawing/2010/main" w="9525">
                   <a:solidFill>
                     <a:srgbClr val="000000"/>
                   </a:solidFill>
@@ -2352,7 +2368,7 @@
             </a:ln>
             <a:extLst>
               <a:ext uri="{91240B29-F687-4f45-9708-019B960494DF}">
-                <a14:hiddenLine xmlns:a14="http://schemas.microsoft.com/office/drawing/2010/main" xmlns="" w="9525">
+                <a14:hiddenLine xmlns="" xmlns:a14="http://schemas.microsoft.com/office/drawing/2010/main" w="9525">
                   <a:solidFill>
                     <a:srgbClr val="000000"/>
                   </a:solidFill>
@@ -2442,7 +2458,7 @@
             </a:ln>
             <a:extLst>
               <a:ext uri="{91240B29-F687-4f45-9708-019B960494DF}">
-                <a14:hiddenLine xmlns:a14="http://schemas.microsoft.com/office/drawing/2010/main" xmlns="" w="9525">
+                <a14:hiddenLine xmlns="" xmlns:a14="http://schemas.microsoft.com/office/drawing/2010/main" w="9525">
                   <a:solidFill>
                     <a:srgbClr val="000000"/>
                   </a:solidFill>
@@ -2504,7 +2520,7 @@
             </a:ln>
             <a:extLst>
               <a:ext uri="{91240B29-F687-4f45-9708-019B960494DF}">
-                <a14:hiddenLine xmlns:a14="http://schemas.microsoft.com/office/drawing/2010/main" xmlns="" w="9525">
+                <a14:hiddenLine xmlns="" xmlns:a14="http://schemas.microsoft.com/office/drawing/2010/main" w="9525">
                   <a:solidFill>
                     <a:srgbClr val="000000"/>
                   </a:solidFill>
@@ -2566,7 +2582,7 @@
             </a:ln>
             <a:extLst>
               <a:ext uri="{91240B29-F687-4f45-9708-019B960494DF}">
-                <a14:hiddenLine xmlns:a14="http://schemas.microsoft.com/office/drawing/2010/main" xmlns="" w="9525">
+                <a14:hiddenLine xmlns="" xmlns:a14="http://schemas.microsoft.com/office/drawing/2010/main" w="9525">
                   <a:solidFill>
                     <a:srgbClr val="000000"/>
                   </a:solidFill>
@@ -2656,7 +2672,7 @@
             </a:ln>
             <a:extLst>
               <a:ext uri="{91240B29-F687-4f45-9708-019B960494DF}">
-                <a14:hiddenLine xmlns:a14="http://schemas.microsoft.com/office/drawing/2010/main" xmlns="" w="9525">
+                <a14:hiddenLine xmlns="" xmlns:a14="http://schemas.microsoft.com/office/drawing/2010/main" w="9525">
                   <a:solidFill>
                     <a:srgbClr val="000000"/>
                   </a:solidFill>
@@ -2724,7 +2740,7 @@
             </a:ln>
             <a:extLst>
               <a:ext uri="{91240B29-F687-4f45-9708-019B960494DF}">
-                <a14:hiddenLine xmlns:a14="http://schemas.microsoft.com/office/drawing/2010/main" xmlns="" w="9525">
+                <a14:hiddenLine xmlns="" xmlns:a14="http://schemas.microsoft.com/office/drawing/2010/main" w="9525">
                   <a:solidFill>
                     <a:srgbClr val="000000"/>
                   </a:solidFill>
@@ -2786,7 +2802,7 @@
             </a:ln>
             <a:extLst>
               <a:ext uri="{91240B29-F687-4f45-9708-019B960494DF}">
-                <a14:hiddenLine xmlns:a14="http://schemas.microsoft.com/office/drawing/2010/main" xmlns="" w="9525">
+                <a14:hiddenLine xmlns="" xmlns:a14="http://schemas.microsoft.com/office/drawing/2010/main" w="9525">
                   <a:solidFill>
                     <a:srgbClr val="000000"/>
                   </a:solidFill>
@@ -2876,7 +2892,7 @@
             </a:ln>
             <a:extLst>
               <a:ext uri="{91240B29-F687-4f45-9708-019B960494DF}">
-                <a14:hiddenLine xmlns:a14="http://schemas.microsoft.com/office/drawing/2010/main" xmlns="" w="9525">
+                <a14:hiddenLine xmlns="" xmlns:a14="http://schemas.microsoft.com/office/drawing/2010/main" w="9525">
                   <a:solidFill>
                     <a:srgbClr val="000000"/>
                   </a:solidFill>
@@ -2938,7 +2954,7 @@
             </a:ln>
             <a:extLst>
               <a:ext uri="{91240B29-F687-4f45-9708-019B960494DF}">
-                <a14:hiddenLine xmlns:a14="http://schemas.microsoft.com/office/drawing/2010/main" xmlns="" w="9525">
+                <a14:hiddenLine xmlns="" xmlns:a14="http://schemas.microsoft.com/office/drawing/2010/main" w="9525">
                   <a:solidFill>
                     <a:srgbClr val="000000"/>
                   </a:solidFill>
@@ -3028,7 +3044,7 @@
             </a:ln>
             <a:extLst>
               <a:ext uri="{91240B29-F687-4f45-9708-019B960494DF}">
-                <a14:hiddenLine xmlns:a14="http://schemas.microsoft.com/office/drawing/2010/main" xmlns="" w="9525">
+                <a14:hiddenLine xmlns="" xmlns:a14="http://schemas.microsoft.com/office/drawing/2010/main" w="9525">
                   <a:solidFill>
                     <a:srgbClr val="000000"/>
                   </a:solidFill>
@@ -3090,7 +3106,7 @@
             </a:ln>
             <a:extLst>
               <a:ext uri="{91240B29-F687-4f45-9708-019B960494DF}">
-                <a14:hiddenLine xmlns:a14="http://schemas.microsoft.com/office/drawing/2010/main" xmlns="" w="9525">
+                <a14:hiddenLine xmlns="" xmlns:a14="http://schemas.microsoft.com/office/drawing/2010/main" w="9525">
                   <a:solidFill>
                     <a:srgbClr val="000000"/>
                   </a:solidFill>
@@ -3180,7 +3196,7 @@
             </a:ln>
             <a:extLst>
               <a:ext uri="{91240B29-F687-4f45-9708-019B960494DF}">
-                <a14:hiddenLine xmlns:a14="http://schemas.microsoft.com/office/drawing/2010/main" xmlns="" w="9525">
+                <a14:hiddenLine xmlns="" xmlns:a14="http://schemas.microsoft.com/office/drawing/2010/main" w="9525">
                   <a:solidFill>
                     <a:srgbClr val="000000"/>
                   </a:solidFill>
@@ -3214,7 +3230,7 @@
             </a:ln>
             <a:extLst>
               <a:ext uri="{91240B29-F687-4f45-9708-019B960494DF}">
-                <a14:hiddenLine xmlns:a14="http://schemas.microsoft.com/office/drawing/2010/main" xmlns="" w="9525">
+                <a14:hiddenLine xmlns="" xmlns:a14="http://schemas.microsoft.com/office/drawing/2010/main" w="9525">
                   <a:solidFill>
                     <a:srgbClr val="000000"/>
                   </a:solidFill>
@@ -3279,7 +3295,7 @@
             </a:ln>
             <a:extLst>
               <a:ext uri="{91240B29-F687-4f45-9708-019B960494DF}">
-                <a14:hiddenLine xmlns:a14="http://schemas.microsoft.com/office/drawing/2010/main" xmlns="" w="9525">
+                <a14:hiddenLine xmlns="" xmlns:a14="http://schemas.microsoft.com/office/drawing/2010/main" w="9525">
                   <a:solidFill>
                     <a:srgbClr val="000000"/>
                   </a:solidFill>
@@ -3369,7 +3385,7 @@
             </a:ln>
             <a:extLst>
               <a:ext uri="{91240B29-F687-4f45-9708-019B960494DF}">
-                <a14:hiddenLine xmlns:a14="http://schemas.microsoft.com/office/drawing/2010/main" xmlns="" w="9525">
+                <a14:hiddenLine xmlns="" xmlns:a14="http://schemas.microsoft.com/office/drawing/2010/main" w="9525">
                   <a:solidFill>
                     <a:srgbClr val="000000"/>
                   </a:solidFill>
@@ -3431,7 +3447,7 @@
             </a:ln>
             <a:extLst>
               <a:ext uri="{91240B29-F687-4f45-9708-019B960494DF}">
-                <a14:hiddenLine xmlns:a14="http://schemas.microsoft.com/office/drawing/2010/main" xmlns="" w="9525">
+                <a14:hiddenLine xmlns="" xmlns:a14="http://schemas.microsoft.com/office/drawing/2010/main" w="9525">
                   <a:solidFill>
                     <a:srgbClr val="000000"/>
                   </a:solidFill>
@@ -3521,7 +3537,7 @@
             </a:ln>
             <a:extLst>
               <a:ext uri="{91240B29-F687-4f45-9708-019B960494DF}">
-                <a14:hiddenLine xmlns:a14="http://schemas.microsoft.com/office/drawing/2010/main" xmlns="" w="9525">
+                <a14:hiddenLine xmlns="" xmlns:a14="http://schemas.microsoft.com/office/drawing/2010/main" w="9525">
                   <a:solidFill>
                     <a:srgbClr val="000000"/>
                   </a:solidFill>
@@ -3611,7 +3627,7 @@
             </a:ln>
             <a:extLst>
               <a:ext uri="{91240B29-F687-4f45-9708-019B960494DF}">
-                <a14:hiddenLine xmlns:a14="http://schemas.microsoft.com/office/drawing/2010/main" xmlns="" w="9525">
+                <a14:hiddenLine xmlns="" xmlns:a14="http://schemas.microsoft.com/office/drawing/2010/main" w="9525">
                   <a:solidFill>
                     <a:srgbClr val="000000"/>
                   </a:solidFill>
@@ -3676,7 +3692,7 @@
             </a:ln>
             <a:extLst>
               <a:ext uri="{91240B29-F687-4f45-9708-019B960494DF}">
-                <a14:hiddenLine xmlns:a14="http://schemas.microsoft.com/office/drawing/2010/main" xmlns="" w="9525">
+                <a14:hiddenLine xmlns="" xmlns:a14="http://schemas.microsoft.com/office/drawing/2010/main" w="9525">
                   <a:solidFill>
                     <a:srgbClr val="000000"/>
                   </a:solidFill>
@@ -3738,7 +3754,7 @@
             </a:ln>
             <a:extLst>
               <a:ext uri="{91240B29-F687-4f45-9708-019B960494DF}">
-                <a14:hiddenLine xmlns:a14="http://schemas.microsoft.com/office/drawing/2010/main" xmlns="" w="9525">
+                <a14:hiddenLine xmlns="" xmlns:a14="http://schemas.microsoft.com/office/drawing/2010/main" w="9525">
                   <a:solidFill>
                     <a:srgbClr val="000000"/>
                   </a:solidFill>
@@ -3828,7 +3844,7 @@
             </a:ln>
             <a:extLst>
               <a:ext uri="{91240B29-F687-4f45-9708-019B960494DF}">
-                <a14:hiddenLine xmlns:a14="http://schemas.microsoft.com/office/drawing/2010/main" xmlns="" w="9525">
+                <a14:hiddenLine xmlns="" xmlns:a14="http://schemas.microsoft.com/office/drawing/2010/main" w="9525">
                   <a:solidFill>
                     <a:srgbClr val="000000"/>
                   </a:solidFill>
@@ -3918,7 +3934,7 @@
             </a:ln>
             <a:extLst>
               <a:ext uri="{91240B29-F687-4f45-9708-019B960494DF}">
-                <a14:hiddenLine xmlns:a14="http://schemas.microsoft.com/office/drawing/2010/main" xmlns="" w="9525">
+                <a14:hiddenLine xmlns="" xmlns:a14="http://schemas.microsoft.com/office/drawing/2010/main" w="9525">
                   <a:solidFill>
                     <a:srgbClr val="000000"/>
                   </a:solidFill>
@@ -3980,7 +3996,7 @@
             </a:ln>
             <a:extLst>
               <a:ext uri="{91240B29-F687-4f45-9708-019B960494DF}">
-                <a14:hiddenLine xmlns:a14="http://schemas.microsoft.com/office/drawing/2010/main" xmlns="" w="9525">
+                <a14:hiddenLine xmlns="" xmlns:a14="http://schemas.microsoft.com/office/drawing/2010/main" w="9525">
                   <a:solidFill>
                     <a:srgbClr val="000000"/>
                   </a:solidFill>
@@ -4100,7 +4116,7 @@
             </a:ln>
             <a:extLst>
               <a:ext uri="{91240B29-F687-4f45-9708-019B960494DF}">
-                <a14:hiddenLine xmlns:a14="http://schemas.microsoft.com/office/drawing/2010/main" xmlns="" w="9525">
+                <a14:hiddenLine xmlns="" xmlns:a14="http://schemas.microsoft.com/office/drawing/2010/main" w="9525">
                   <a:solidFill>
                     <a:srgbClr val="000000"/>
                   </a:solidFill>
@@ -4168,7 +4184,7 @@
             </a:ln>
             <a:extLst>
               <a:ext uri="{91240B29-F687-4f45-9708-019B960494DF}">
-                <a14:hiddenLine xmlns:a14="http://schemas.microsoft.com/office/drawing/2010/main" xmlns="" w="9525">
+                <a14:hiddenLine xmlns="" xmlns:a14="http://schemas.microsoft.com/office/drawing/2010/main" w="9525">
                   <a:solidFill>
                     <a:srgbClr val="000000"/>
                   </a:solidFill>
@@ -4258,7 +4274,7 @@
             </a:ln>
             <a:extLst>
               <a:ext uri="{91240B29-F687-4f45-9708-019B960494DF}">
-                <a14:hiddenLine xmlns:a14="http://schemas.microsoft.com/office/drawing/2010/main" xmlns="" w="9525">
+                <a14:hiddenLine xmlns="" xmlns:a14="http://schemas.microsoft.com/office/drawing/2010/main" w="9525">
                   <a:solidFill>
                     <a:srgbClr val="000000"/>
                   </a:solidFill>
@@ -4398,7 +4414,7 @@
           <a:p>
             <a:fld id="{48A87A34-81AB-432B-8DAE-1953F412C126}" type="datetimeFigureOut">
               <a:rPr lang="en-US" dirty="0"/>
-              <a:t>4/17/2018</a:t>
+              <a:t>4/19/2018</a:t>
             </a:fld>
             <a:endParaRPr lang="en-US" dirty="0"/>
           </a:p>
@@ -4569,10 +4585,9 @@
               <a:buNone/>
             </a:pPr>
             <a:r>
-              <a:rPr lang="en-US"/>
+              <a:rPr lang="en-US" dirty="0"/>
               <a:t>Click icon to add picture</a:t>
             </a:r>
-            <a:endParaRPr lang="en-US" dirty="0"/>
           </a:p>
         </p:txBody>
       </p:sp>
@@ -4660,7 +4675,7 @@
           <a:p>
             <a:fld id="{48A87A34-81AB-432B-8DAE-1953F412C126}" type="datetimeFigureOut">
               <a:rPr lang="en-US" dirty="0"/>
-              <a:t>4/17/2018</a:t>
+              <a:t>4/19/2018</a:t>
             </a:fld>
             <a:endParaRPr lang="en-US" dirty="0"/>
           </a:p>
@@ -4851,7 +4866,7 @@
           <a:p>
             <a:fld id="{48A87A34-81AB-432B-8DAE-1953F412C126}" type="datetimeFigureOut">
               <a:rPr lang="en-US" dirty="0"/>
-              <a:t>4/17/2018</a:t>
+              <a:t>4/19/2018</a:t>
             </a:fld>
             <a:endParaRPr lang="en-US" dirty="0"/>
           </a:p>
@@ -5109,7 +5124,7 @@
           <a:p>
             <a:fld id="{48A87A34-81AB-432B-8DAE-1953F412C126}" type="datetimeFigureOut">
               <a:rPr lang="en-US" dirty="0"/>
-              <a:t>4/17/2018</a:t>
+              <a:t>4/19/2018</a:t>
             </a:fld>
             <a:endParaRPr lang="en-US" dirty="0"/>
           </a:p>
@@ -5538,7 +5553,7 @@
           <a:p>
             <a:fld id="{48A87A34-81AB-432B-8DAE-1953F412C126}" type="datetimeFigureOut">
               <a:rPr lang="en-US" dirty="0"/>
-              <a:t>4/17/2018</a:t>
+              <a:t>4/19/2018</a:t>
             </a:fld>
             <a:endParaRPr lang="en-US" dirty="0"/>
           </a:p>
@@ -6079,7 +6094,7 @@
           <a:p>
             <a:fld id="{48A87A34-81AB-432B-8DAE-1953F412C126}" type="datetimeFigureOut">
               <a:rPr lang="en-US" dirty="0"/>
-              <a:t>4/17/2018</a:t>
+              <a:t>4/19/2018</a:t>
             </a:fld>
             <a:endParaRPr lang="en-US" dirty="0"/>
           </a:p>
@@ -6305,10 +6320,9 @@
               <a:buNone/>
             </a:pPr>
             <a:r>
-              <a:rPr lang="en-US"/>
+              <a:rPr lang="en-US" dirty="0"/>
               <a:t>Click icon to add picture</a:t>
             </a:r>
-            <a:endParaRPr lang="en-US" dirty="0"/>
           </a:p>
         </p:txBody>
       </p:sp>
@@ -6504,10 +6518,9 @@
               <a:buNone/>
             </a:pPr>
             <a:r>
-              <a:rPr lang="en-US"/>
+              <a:rPr lang="en-US" dirty="0"/>
               <a:t>Click icon to add picture</a:t>
             </a:r>
-            <a:endParaRPr lang="en-US" dirty="0"/>
           </a:p>
         </p:txBody>
       </p:sp>
@@ -6703,10 +6716,9 @@
               <a:buNone/>
             </a:pPr>
             <a:r>
-              <a:rPr lang="en-US"/>
+              <a:rPr lang="en-US" dirty="0"/>
               <a:t>Click icon to add picture</a:t>
             </a:r>
-            <a:endParaRPr lang="en-US" dirty="0"/>
           </a:p>
         </p:txBody>
       </p:sp>
@@ -6794,7 +6806,7 @@
           <a:p>
             <a:fld id="{48A87A34-81AB-432B-8DAE-1953F412C126}" type="datetimeFigureOut">
               <a:rPr lang="en-US" dirty="0"/>
-              <a:t>4/17/2018</a:t>
+              <a:t>4/19/2018</a:t>
             </a:fld>
             <a:endParaRPr lang="en-US" dirty="0"/>
           </a:p>
@@ -6959,7 +6971,7 @@
           <a:p>
             <a:fld id="{48A87A34-81AB-432B-8DAE-1953F412C126}" type="datetimeFigureOut">
               <a:rPr lang="en-US" dirty="0"/>
-              <a:t>4/17/2018</a:t>
+              <a:t>4/19/2018</a:t>
             </a:fld>
             <a:endParaRPr lang="en-US" dirty="0"/>
           </a:p>
@@ -7134,7 +7146,7 @@
           <a:p>
             <a:fld id="{48A87A34-81AB-432B-8DAE-1953F412C126}" type="datetimeFigureOut">
               <a:rPr lang="en-US" dirty="0"/>
-              <a:t>4/17/2018</a:t>
+              <a:t>4/19/2018</a:t>
             </a:fld>
             <a:endParaRPr lang="en-US" dirty="0"/>
           </a:p>
@@ -7299,7 +7311,7 @@
           <a:p>
             <a:fld id="{48A87A34-81AB-432B-8DAE-1953F412C126}" type="datetimeFigureOut">
               <a:rPr lang="en-US" dirty="0"/>
-              <a:t>4/17/2018</a:t>
+              <a:t>4/19/2018</a:t>
             </a:fld>
             <a:endParaRPr lang="en-US" dirty="0"/>
           </a:p>
@@ -7544,7 +7556,7 @@
           <a:p>
             <a:fld id="{48A87A34-81AB-432B-8DAE-1953F412C126}" type="datetimeFigureOut">
               <a:rPr lang="en-US" dirty="0"/>
-              <a:t>4/17/2018</a:t>
+              <a:t>4/19/2018</a:t>
             </a:fld>
             <a:endParaRPr lang="en-US" dirty="0"/>
           </a:p>
@@ -7771,7 +7783,7 @@
           <a:p>
             <a:fld id="{48A87A34-81AB-432B-8DAE-1953F412C126}" type="datetimeFigureOut">
               <a:rPr lang="en-US" dirty="0"/>
-              <a:t>4/17/2018</a:t>
+              <a:t>4/19/2018</a:t>
             </a:fld>
             <a:endParaRPr lang="en-US" dirty="0"/>
           </a:p>
@@ -8147,7 +8159,7 @@
           <a:p>
             <a:fld id="{48A87A34-81AB-432B-8DAE-1953F412C126}" type="datetimeFigureOut">
               <a:rPr lang="en-US" dirty="0"/>
-              <a:t>4/17/2018</a:t>
+              <a:t>4/19/2018</a:t>
             </a:fld>
             <a:endParaRPr lang="en-US" dirty="0"/>
           </a:p>
@@ -8260,7 +8272,7 @@
           <a:p>
             <a:fld id="{48A87A34-81AB-432B-8DAE-1953F412C126}" type="datetimeFigureOut">
               <a:rPr lang="en-US" dirty="0"/>
-              <a:t>4/17/2018</a:t>
+              <a:t>4/19/2018</a:t>
             </a:fld>
             <a:endParaRPr lang="en-US" dirty="0"/>
           </a:p>
@@ -8350,7 +8362,7 @@
           <a:p>
             <a:fld id="{48A87A34-81AB-432B-8DAE-1953F412C126}" type="datetimeFigureOut">
               <a:rPr lang="en-US" dirty="0"/>
-              <a:t>4/17/2018</a:t>
+              <a:t>4/19/2018</a:t>
             </a:fld>
             <a:endParaRPr lang="en-US" dirty="0"/>
           </a:p>
@@ -8594,7 +8606,7 @@
           <a:p>
             <a:fld id="{48A87A34-81AB-432B-8DAE-1953F412C126}" type="datetimeFigureOut">
               <a:rPr lang="en-US" dirty="0"/>
-              <a:t>4/17/2018</a:t>
+              <a:t>4/19/2018</a:t>
             </a:fld>
             <a:endParaRPr lang="en-US" dirty="0"/>
           </a:p>
@@ -8780,10 +8792,9 @@
           </a:lstStyle>
           <a:p>
             <a:r>
-              <a:rPr lang="en-US"/>
+              <a:rPr lang="en-US" dirty="0"/>
               <a:t>Click icon to add picture</a:t>
             </a:r>
-            <a:endParaRPr lang="en-US" dirty="0"/>
           </a:p>
         </p:txBody>
       </p:sp>
@@ -8869,7 +8880,7 @@
           <a:p>
             <a:fld id="{48A87A34-81AB-432B-8DAE-1953F412C126}" type="datetimeFigureOut">
               <a:rPr lang="en-US" dirty="0"/>
-              <a:t>4/17/2018</a:t>
+              <a:t>4/19/2018</a:t>
             </a:fld>
             <a:endParaRPr lang="en-US" dirty="0"/>
           </a:p>
@@ -8987,7 +8998,7 @@
           <a:noFill/>
           <a:extLst>
             <a:ext uri="{909E8E84-426E-40dd-AFC4-6F175D3DCCD1}">
-              <a14:hiddenFill xmlns:a14="http://schemas.microsoft.com/office/drawing/2010/main" xmlns="">
+              <a14:hiddenFill xmlns="" xmlns:a14="http://schemas.microsoft.com/office/drawing/2010/main">
                 <a:solidFill>
                   <a:srgbClr val="FFFFFF"/>
                 </a:solidFill>
@@ -9061,7 +9072,7 @@
               </a:ln>
               <a:extLst>
                 <a:ext uri="{91240B29-F687-4f45-9708-019B960494DF}">
-                  <a14:hiddenLine xmlns:a14="http://schemas.microsoft.com/office/drawing/2010/main" xmlns="" w="9525">
+                  <a14:hiddenLine xmlns="" xmlns:a14="http://schemas.microsoft.com/office/drawing/2010/main" w="9525">
                     <a:solidFill>
                       <a:srgbClr val="000000"/>
                     </a:solidFill>
@@ -9151,7 +9162,7 @@
               </a:ln>
               <a:extLst>
                 <a:ext uri="{91240B29-F687-4f45-9708-019B960494DF}">
-                  <a14:hiddenLine xmlns:a14="http://schemas.microsoft.com/office/drawing/2010/main" xmlns="" w="9525">
+                  <a14:hiddenLine xmlns="" xmlns:a14="http://schemas.microsoft.com/office/drawing/2010/main" w="9525">
                     <a:solidFill>
                       <a:srgbClr val="000000"/>
                     </a:solidFill>
@@ -9241,7 +9252,7 @@
               </a:ln>
               <a:extLst>
                 <a:ext uri="{91240B29-F687-4f45-9708-019B960494DF}">
-                  <a14:hiddenLine xmlns:a14="http://schemas.microsoft.com/office/drawing/2010/main" xmlns="" w="9525">
+                  <a14:hiddenLine xmlns="" xmlns:a14="http://schemas.microsoft.com/office/drawing/2010/main" w="9525">
                     <a:solidFill>
                       <a:srgbClr val="000000"/>
                     </a:solidFill>
@@ -9303,7 +9314,7 @@
               </a:ln>
               <a:extLst>
                 <a:ext uri="{91240B29-F687-4f45-9708-019B960494DF}">
-                  <a14:hiddenLine xmlns:a14="http://schemas.microsoft.com/office/drawing/2010/main" xmlns="" w="9525">
+                  <a14:hiddenLine xmlns="" xmlns:a14="http://schemas.microsoft.com/office/drawing/2010/main" w="9525">
                     <a:solidFill>
                       <a:srgbClr val="000000"/>
                     </a:solidFill>
@@ -9393,7 +9404,7 @@
               </a:ln>
               <a:extLst>
                 <a:ext uri="{91240B29-F687-4f45-9708-019B960494DF}">
-                  <a14:hiddenLine xmlns:a14="http://schemas.microsoft.com/office/drawing/2010/main" xmlns="" w="9525">
+                  <a14:hiddenLine xmlns="" xmlns:a14="http://schemas.microsoft.com/office/drawing/2010/main" w="9525">
                     <a:solidFill>
                       <a:srgbClr val="000000"/>
                     </a:solidFill>
@@ -9455,7 +9466,7 @@
               </a:ln>
               <a:extLst>
                 <a:ext uri="{91240B29-F687-4f45-9708-019B960494DF}">
-                  <a14:hiddenLine xmlns:a14="http://schemas.microsoft.com/office/drawing/2010/main" xmlns="" w="9525">
+                  <a14:hiddenLine xmlns="" xmlns:a14="http://schemas.microsoft.com/office/drawing/2010/main" w="9525">
                     <a:solidFill>
                       <a:srgbClr val="000000"/>
                     </a:solidFill>
@@ -9517,7 +9528,7 @@
               </a:ln>
               <a:extLst>
                 <a:ext uri="{91240B29-F687-4f45-9708-019B960494DF}">
-                  <a14:hiddenLine xmlns:a14="http://schemas.microsoft.com/office/drawing/2010/main" xmlns="" w="9525">
+                  <a14:hiddenLine xmlns="" xmlns:a14="http://schemas.microsoft.com/office/drawing/2010/main" w="9525">
                     <a:solidFill>
                       <a:srgbClr val="000000"/>
                     </a:solidFill>
@@ -9607,7 +9618,7 @@
               </a:ln>
               <a:extLst>
                 <a:ext uri="{91240B29-F687-4f45-9708-019B960494DF}">
-                  <a14:hiddenLine xmlns:a14="http://schemas.microsoft.com/office/drawing/2010/main" xmlns="" w="9525">
+                  <a14:hiddenLine xmlns="" xmlns:a14="http://schemas.microsoft.com/office/drawing/2010/main" w="9525">
                     <a:solidFill>
                       <a:srgbClr val="000000"/>
                     </a:solidFill>
@@ -9697,7 +9708,7 @@
               </a:ln>
               <a:extLst>
                 <a:ext uri="{91240B29-F687-4f45-9708-019B960494DF}">
-                  <a14:hiddenLine xmlns:a14="http://schemas.microsoft.com/office/drawing/2010/main" xmlns="" w="9525">
+                  <a14:hiddenLine xmlns="" xmlns:a14="http://schemas.microsoft.com/office/drawing/2010/main" w="9525">
                     <a:solidFill>
                       <a:srgbClr val="000000"/>
                     </a:solidFill>
@@ -9759,7 +9770,7 @@
               </a:ln>
               <a:extLst>
                 <a:ext uri="{91240B29-F687-4f45-9708-019B960494DF}">
-                  <a14:hiddenLine xmlns:a14="http://schemas.microsoft.com/office/drawing/2010/main" xmlns="" w="9525">
+                  <a14:hiddenLine xmlns="" xmlns:a14="http://schemas.microsoft.com/office/drawing/2010/main" w="9525">
                     <a:solidFill>
                       <a:srgbClr val="000000"/>
                     </a:solidFill>
@@ -9869,7 +9880,7 @@
               </a:ln>
               <a:extLst>
                 <a:ext uri="{91240B29-F687-4f45-9708-019B960494DF}">
-                  <a14:hiddenLine xmlns:a14="http://schemas.microsoft.com/office/drawing/2010/main" xmlns="" w="9525">
+                  <a14:hiddenLine xmlns="" xmlns:a14="http://schemas.microsoft.com/office/drawing/2010/main" w="9525">
                     <a:solidFill>
                       <a:srgbClr val="000000"/>
                     </a:solidFill>
@@ -9953,7 +9964,7 @@
               </a:ln>
               <a:extLst>
                 <a:ext uri="{91240B29-F687-4f45-9708-019B960494DF}">
-                  <a14:hiddenLine xmlns:a14="http://schemas.microsoft.com/office/drawing/2010/main" xmlns="" w="9525">
+                  <a14:hiddenLine xmlns="" xmlns:a14="http://schemas.microsoft.com/office/drawing/2010/main" w="9525">
                     <a:solidFill>
                       <a:srgbClr val="000000"/>
                     </a:solidFill>
@@ -10015,7 +10026,7 @@
               </a:ln>
               <a:extLst>
                 <a:ext uri="{91240B29-F687-4f45-9708-019B960494DF}">
-                  <a14:hiddenLine xmlns:a14="http://schemas.microsoft.com/office/drawing/2010/main" xmlns="" w="9525">
+                  <a14:hiddenLine xmlns="" xmlns:a14="http://schemas.microsoft.com/office/drawing/2010/main" w="9525">
                     <a:solidFill>
                       <a:srgbClr val="000000"/>
                     </a:solidFill>
@@ -10077,7 +10088,7 @@
               </a:ln>
               <a:extLst>
                 <a:ext uri="{91240B29-F687-4f45-9708-019B960494DF}">
-                  <a14:hiddenLine xmlns:a14="http://schemas.microsoft.com/office/drawing/2010/main" xmlns="" w="9525">
+                  <a14:hiddenLine xmlns="" xmlns:a14="http://schemas.microsoft.com/office/drawing/2010/main" w="9525">
                     <a:solidFill>
                       <a:srgbClr val="000000"/>
                     </a:solidFill>
@@ -10167,7 +10178,7 @@
               </a:ln>
               <a:extLst>
                 <a:ext uri="{91240B29-F687-4f45-9708-019B960494DF}">
-                  <a14:hiddenLine xmlns:a14="http://schemas.microsoft.com/office/drawing/2010/main" xmlns="" w="9525">
+                  <a14:hiddenLine xmlns="" xmlns:a14="http://schemas.microsoft.com/office/drawing/2010/main" w="9525">
                     <a:solidFill>
                       <a:srgbClr val="000000"/>
                     </a:solidFill>
@@ -10201,7 +10212,7 @@
               </a:ln>
               <a:extLst>
                 <a:ext uri="{91240B29-F687-4f45-9708-019B960494DF}">
-                  <a14:hiddenLine xmlns:a14="http://schemas.microsoft.com/office/drawing/2010/main" xmlns="" w="9525">
+                  <a14:hiddenLine xmlns="" xmlns:a14="http://schemas.microsoft.com/office/drawing/2010/main" w="9525">
                     <a:solidFill>
                       <a:srgbClr val="000000"/>
                     </a:solidFill>
@@ -10266,7 +10277,7 @@
               </a:ln>
               <a:extLst>
                 <a:ext uri="{91240B29-F687-4f45-9708-019B960494DF}">
-                  <a14:hiddenLine xmlns:a14="http://schemas.microsoft.com/office/drawing/2010/main" xmlns="" w="9525">
+                  <a14:hiddenLine xmlns="" xmlns:a14="http://schemas.microsoft.com/office/drawing/2010/main" w="9525">
                     <a:solidFill>
                       <a:srgbClr val="000000"/>
                     </a:solidFill>
@@ -10356,7 +10367,7 @@
               </a:ln>
               <a:extLst>
                 <a:ext uri="{91240B29-F687-4f45-9708-019B960494DF}">
-                  <a14:hiddenLine xmlns:a14="http://schemas.microsoft.com/office/drawing/2010/main" xmlns="" w="9525">
+                  <a14:hiddenLine xmlns="" xmlns:a14="http://schemas.microsoft.com/office/drawing/2010/main" w="9525">
                     <a:solidFill>
                       <a:srgbClr val="000000"/>
                     </a:solidFill>
@@ -10418,7 +10429,7 @@
               </a:ln>
               <a:extLst>
                 <a:ext uri="{91240B29-F687-4f45-9708-019B960494DF}">
-                  <a14:hiddenLine xmlns:a14="http://schemas.microsoft.com/office/drawing/2010/main" xmlns="" w="9525">
+                  <a14:hiddenLine xmlns="" xmlns:a14="http://schemas.microsoft.com/office/drawing/2010/main" w="9525">
                     <a:solidFill>
                       <a:srgbClr val="000000"/>
                     </a:solidFill>
@@ -10508,7 +10519,7 @@
               </a:ln>
               <a:extLst>
                 <a:ext uri="{91240B29-F687-4f45-9708-019B960494DF}">
-                  <a14:hiddenLine xmlns:a14="http://schemas.microsoft.com/office/drawing/2010/main" xmlns="" w="9525">
+                  <a14:hiddenLine xmlns="" xmlns:a14="http://schemas.microsoft.com/office/drawing/2010/main" w="9525">
                     <a:solidFill>
                       <a:srgbClr val="000000"/>
                     </a:solidFill>
@@ -10573,7 +10584,7 @@
               </a:ln>
               <a:extLst>
                 <a:ext uri="{91240B29-F687-4f45-9708-019B960494DF}">
-                  <a14:hiddenLine xmlns:a14="http://schemas.microsoft.com/office/drawing/2010/main" xmlns="" w="9525">
+                  <a14:hiddenLine xmlns="" xmlns:a14="http://schemas.microsoft.com/office/drawing/2010/main" w="9525">
                     <a:solidFill>
                       <a:srgbClr val="000000"/>
                     </a:solidFill>
@@ -10635,7 +10646,7 @@
               </a:ln>
               <a:extLst>
                 <a:ext uri="{91240B29-F687-4f45-9708-019B960494DF}">
-                  <a14:hiddenLine xmlns:a14="http://schemas.microsoft.com/office/drawing/2010/main" xmlns="" w="9525">
+                  <a14:hiddenLine xmlns="" xmlns:a14="http://schemas.microsoft.com/office/drawing/2010/main" w="9525">
                     <a:solidFill>
                       <a:srgbClr val="000000"/>
                     </a:solidFill>
@@ -10725,7 +10736,7 @@
               </a:ln>
               <a:extLst>
                 <a:ext uri="{91240B29-F687-4f45-9708-019B960494DF}">
-                  <a14:hiddenLine xmlns:a14="http://schemas.microsoft.com/office/drawing/2010/main" xmlns="" w="9525">
+                  <a14:hiddenLine xmlns="" xmlns:a14="http://schemas.microsoft.com/office/drawing/2010/main" w="9525">
                     <a:solidFill>
                       <a:srgbClr val="000000"/>
                     </a:solidFill>
@@ -10815,7 +10826,7 @@
               </a:ln>
               <a:extLst>
                 <a:ext uri="{91240B29-F687-4f45-9708-019B960494DF}">
-                  <a14:hiddenLine xmlns:a14="http://schemas.microsoft.com/office/drawing/2010/main" xmlns="" w="9525">
+                  <a14:hiddenLine xmlns="" xmlns:a14="http://schemas.microsoft.com/office/drawing/2010/main" w="9525">
                     <a:solidFill>
                       <a:srgbClr val="000000"/>
                     </a:solidFill>
@@ -10880,7 +10891,7 @@
               </a:ln>
               <a:extLst>
                 <a:ext uri="{91240B29-F687-4f45-9708-019B960494DF}">
-                  <a14:hiddenLine xmlns:a14="http://schemas.microsoft.com/office/drawing/2010/main" xmlns="" w="9525">
+                  <a14:hiddenLine xmlns="" xmlns:a14="http://schemas.microsoft.com/office/drawing/2010/main" w="9525">
                     <a:solidFill>
                       <a:srgbClr val="000000"/>
                     </a:solidFill>
@@ -11000,7 +11011,7 @@
               </a:ln>
               <a:extLst>
                 <a:ext uri="{91240B29-F687-4f45-9708-019B960494DF}">
-                  <a14:hiddenLine xmlns:a14="http://schemas.microsoft.com/office/drawing/2010/main" xmlns="" w="9525">
+                  <a14:hiddenLine xmlns="" xmlns:a14="http://schemas.microsoft.com/office/drawing/2010/main" w="9525">
                     <a:solidFill>
                       <a:srgbClr val="000000"/>
                     </a:solidFill>
@@ -11081,7 +11092,7 @@
               </a:ln>
               <a:extLst>
                 <a:ext uri="{91240B29-F687-4f45-9708-019B960494DF}">
-                  <a14:hiddenLine xmlns:a14="http://schemas.microsoft.com/office/drawing/2010/main" xmlns="" w="9525">
+                  <a14:hiddenLine xmlns="" xmlns:a14="http://schemas.microsoft.com/office/drawing/2010/main" w="9525">
                     <a:solidFill>
                       <a:srgbClr val="000000"/>
                     </a:solidFill>
@@ -11196,7 +11207,7 @@
               </a:ln>
               <a:extLst>
                 <a:ext uri="{91240B29-F687-4f45-9708-019B960494DF}">
-                  <a14:hiddenLine xmlns:a14="http://schemas.microsoft.com/office/drawing/2010/main" xmlns="" w="9525">
+                  <a14:hiddenLine xmlns="" xmlns:a14="http://schemas.microsoft.com/office/drawing/2010/main" w="9525">
                     <a:solidFill>
                       <a:srgbClr val="000000"/>
                     </a:solidFill>
@@ -11286,7 +11297,7 @@
               </a:ln>
               <a:extLst>
                 <a:ext uri="{91240B29-F687-4f45-9708-019B960494DF}">
-                  <a14:hiddenLine xmlns:a14="http://schemas.microsoft.com/office/drawing/2010/main" xmlns="" w="9525">
+                  <a14:hiddenLine xmlns="" xmlns:a14="http://schemas.microsoft.com/office/drawing/2010/main" w="9525">
                     <a:solidFill>
                       <a:srgbClr val="000000"/>
                     </a:solidFill>
@@ -11351,7 +11362,7 @@
               </a:ln>
               <a:extLst>
                 <a:ext uri="{91240B29-F687-4f45-9708-019B960494DF}">
-                  <a14:hiddenLine xmlns:a14="http://schemas.microsoft.com/office/drawing/2010/main" xmlns="" w="9525">
+                  <a14:hiddenLine xmlns="" xmlns:a14="http://schemas.microsoft.com/office/drawing/2010/main" w="9525">
                     <a:solidFill>
                       <a:srgbClr val="000000"/>
                     </a:solidFill>
@@ -11441,7 +11452,7 @@
               </a:ln>
               <a:extLst>
                 <a:ext uri="{91240B29-F687-4f45-9708-019B960494DF}">
-                  <a14:hiddenLine xmlns:a14="http://schemas.microsoft.com/office/drawing/2010/main" xmlns="" w="9525">
+                  <a14:hiddenLine xmlns="" xmlns:a14="http://schemas.microsoft.com/office/drawing/2010/main" w="9525">
                     <a:solidFill>
                       <a:srgbClr val="000000"/>
                     </a:solidFill>
@@ -11509,7 +11520,7 @@
               </a:ln>
               <a:extLst>
                 <a:ext uri="{91240B29-F687-4f45-9708-019B960494DF}">
-                  <a14:hiddenLine xmlns:a14="http://schemas.microsoft.com/office/drawing/2010/main" xmlns="" w="9525">
+                  <a14:hiddenLine xmlns="" xmlns:a14="http://schemas.microsoft.com/office/drawing/2010/main" w="9525">
                     <a:solidFill>
                       <a:srgbClr val="000000"/>
                     </a:solidFill>
@@ -11599,7 +11610,7 @@
               </a:ln>
               <a:extLst>
                 <a:ext uri="{91240B29-F687-4f45-9708-019B960494DF}">
-                  <a14:hiddenLine xmlns:a14="http://schemas.microsoft.com/office/drawing/2010/main" xmlns="" w="9525">
+                  <a14:hiddenLine xmlns="" xmlns:a14="http://schemas.microsoft.com/office/drawing/2010/main" w="9525">
                     <a:solidFill>
                       <a:srgbClr val="000000"/>
                     </a:solidFill>
@@ -11667,7 +11678,7 @@
               </a:ln>
               <a:extLst>
                 <a:ext uri="{91240B29-F687-4f45-9708-019B960494DF}">
-                  <a14:hiddenLine xmlns:a14="http://schemas.microsoft.com/office/drawing/2010/main" xmlns="" w="9525">
+                  <a14:hiddenLine xmlns="" xmlns:a14="http://schemas.microsoft.com/office/drawing/2010/main" w="9525">
                     <a:solidFill>
                       <a:srgbClr val="000000"/>
                     </a:solidFill>
@@ -11757,7 +11768,7 @@
               </a:ln>
               <a:extLst>
                 <a:ext uri="{91240B29-F687-4f45-9708-019B960494DF}">
-                  <a14:hiddenLine xmlns:a14="http://schemas.microsoft.com/office/drawing/2010/main" xmlns="" w="9525">
+                  <a14:hiddenLine xmlns="" xmlns:a14="http://schemas.microsoft.com/office/drawing/2010/main" w="9525">
                     <a:solidFill>
                       <a:srgbClr val="000000"/>
                     </a:solidFill>
@@ -11791,7 +11802,7 @@
               </a:ln>
               <a:extLst>
                 <a:ext uri="{91240B29-F687-4f45-9708-019B960494DF}">
-                  <a14:hiddenLine xmlns:a14="http://schemas.microsoft.com/office/drawing/2010/main" xmlns="" w="9525">
+                  <a14:hiddenLine xmlns="" xmlns:a14="http://schemas.microsoft.com/office/drawing/2010/main" w="9525">
                     <a:solidFill>
                       <a:srgbClr val="000000"/>
                     </a:solidFill>
@@ -11932,7 +11943,7 @@
             <a:fld id="{48A87A34-81AB-432B-8DAE-1953F412C126}" type="datetimeFigureOut">
               <a:rPr lang="en-US" dirty="0"/>
               <a:pPr/>
-              <a:t>4/17/2018</a:t>
+              <a:t>4/19/2018</a:t>
             </a:fld>
             <a:endParaRPr lang="en-US" dirty="0"/>
           </a:p>
@@ -12445,6 +12456,1133 @@
 </p:sld>
 </file>
 
+<file path=ppt/slides/slide10.xml><?xml version="1.0" encoding="utf-8"?>
+<p:sld xmlns:a="http://schemas.openxmlformats.org/drawingml/2006/main" xmlns:r="http://schemas.openxmlformats.org/officeDocument/2006/relationships" xmlns:p="http://schemas.openxmlformats.org/presentationml/2006/main">
+  <p:cSld>
+    <p:spTree>
+      <p:nvGrpSpPr>
+        <p:cNvPr id="1" name=""/>
+        <p:cNvGrpSpPr/>
+        <p:nvPr/>
+      </p:nvGrpSpPr>
+      <p:grpSpPr>
+        <a:xfrm>
+          <a:off x="0" y="0"/>
+          <a:ext cx="0" cy="0"/>
+          <a:chOff x="0" y="0"/>
+          <a:chExt cx="0" cy="0"/>
+        </a:xfrm>
+      </p:grpSpPr>
+      <p:sp>
+        <p:nvSpPr>
+          <p:cNvPr id="2" name="Title 1">
+            <a:extLst>
+              <a:ext uri="{FF2B5EF4-FFF2-40B4-BE49-F238E27FC236}">
+                <a16:creationId xmlns:a16="http://schemas.microsoft.com/office/drawing/2014/main" id="{F573EF6C-1F57-4A47-B1E3-93338E748333}"/>
+              </a:ext>
+            </a:extLst>
+          </p:cNvPr>
+          <p:cNvSpPr>
+            <a:spLocks noGrp="1"/>
+          </p:cNvSpPr>
+          <p:nvPr>
+            <p:ph type="title"/>
+          </p:nvPr>
+        </p:nvSpPr>
+        <p:spPr/>
+        <p:txBody>
+          <a:bodyPr/>
+          <a:lstStyle/>
+          <a:p>
+            <a:r>
+              <a:rPr lang="en-GB" dirty="0"/>
+              <a:t>in the office</a:t>
+            </a:r>
+          </a:p>
+        </p:txBody>
+      </p:sp>
+      <p:sp>
+        <p:nvSpPr>
+          <p:cNvPr id="3" name="Content Placeholder 2">
+            <a:extLst>
+              <a:ext uri="{FF2B5EF4-FFF2-40B4-BE49-F238E27FC236}">
+                <a16:creationId xmlns:a16="http://schemas.microsoft.com/office/drawing/2014/main" id="{7FB9DDA7-81BC-4F36-9633-6CB02DB6C846}"/>
+              </a:ext>
+            </a:extLst>
+          </p:cNvPr>
+          <p:cNvSpPr>
+            <a:spLocks noGrp="1"/>
+          </p:cNvSpPr>
+          <p:nvPr>
+            <p:ph idx="1"/>
+          </p:nvPr>
+        </p:nvSpPr>
+        <p:spPr>
+          <a:xfrm>
+            <a:off x="1141412" y="2097088"/>
+            <a:ext cx="9905999" cy="3541714"/>
+          </a:xfrm>
+        </p:spPr>
+        <p:txBody>
+          <a:bodyPr/>
+          <a:lstStyle/>
+          <a:p>
+            <a:r>
+              <a:rPr lang="en-GB" dirty="0"/>
+              <a:t>Each function of CM produces a formal document</a:t>
+            </a:r>
+          </a:p>
+          <a:p>
+            <a:pPr lvl="1"/>
+            <a:r>
+              <a:rPr lang="en-GB" dirty="0"/>
+              <a:t>Change reports, functionality audits, configuration accounts</a:t>
+            </a:r>
+          </a:p>
+          <a:p>
+            <a:r>
+              <a:rPr lang="en-GB" dirty="0"/>
+              <a:t>Reports ensure that CM is carried out</a:t>
+            </a:r>
+          </a:p>
+          <a:p>
+            <a:r>
+              <a:rPr lang="en-GB" dirty="0"/>
+              <a:t>CM follows iterative development life cycles</a:t>
+            </a:r>
+          </a:p>
+          <a:p>
+            <a:r>
+              <a:rPr lang="en-GB" dirty="0"/>
+              <a:t>For example: in software projects think:</a:t>
+            </a:r>
+          </a:p>
+          <a:p>
+            <a:pPr lvl="1"/>
+            <a:r>
+              <a:rPr lang="en-GB" dirty="0"/>
+              <a:t>Change reports = GitHub commit and pull request comments</a:t>
+            </a:r>
+          </a:p>
+          <a:p>
+            <a:pPr lvl="1"/>
+            <a:r>
+              <a:rPr lang="en-GB" dirty="0"/>
+              <a:t>Audits = Trello and CodeShip reports</a:t>
+            </a:r>
+          </a:p>
+        </p:txBody>
+      </p:sp>
+      <p:pic>
+        <p:nvPicPr>
+          <p:cNvPr id="5" name="Picture 4">
+            <a:extLst>
+              <a:ext uri="{FF2B5EF4-FFF2-40B4-BE49-F238E27FC236}">
+                <a16:creationId xmlns:a16="http://schemas.microsoft.com/office/drawing/2014/main" id="{9E2A7401-B8AE-4FC0-B739-CBF9EB139D0C}"/>
+              </a:ext>
+            </a:extLst>
+          </p:cNvPr>
+          <p:cNvPicPr>
+            <a:picLocks noChangeAspect="1"/>
+          </p:cNvPicPr>
+          <p:nvPr/>
+        </p:nvPicPr>
+        <p:blipFill>
+          <a:blip r:embed="rId2"/>
+          <a:stretch>
+            <a:fillRect/>
+          </a:stretch>
+        </p:blipFill>
+        <p:spPr>
+          <a:xfrm>
+            <a:off x="7991281" y="2097088"/>
+            <a:ext cx="3712699" cy="2534454"/>
+          </a:xfrm>
+          <a:prstGeom prst="rect">
+            <a:avLst/>
+          </a:prstGeom>
+        </p:spPr>
+      </p:pic>
+      <p:sp>
+        <p:nvSpPr>
+          <p:cNvPr id="6" name="TextBox 5">
+            <a:extLst>
+              <a:ext uri="{FF2B5EF4-FFF2-40B4-BE49-F238E27FC236}">
+                <a16:creationId xmlns:a16="http://schemas.microsoft.com/office/drawing/2014/main" id="{232C12F7-0B9C-457B-9D89-DB4482706BC2}"/>
+              </a:ext>
+            </a:extLst>
+          </p:cNvPr>
+          <p:cNvSpPr txBox="1"/>
+          <p:nvPr/>
+        </p:nvSpPr>
+        <p:spPr>
+          <a:xfrm>
+            <a:off x="11438246" y="1727756"/>
+            <a:ext cx="166255" cy="369332"/>
+          </a:xfrm>
+          <a:prstGeom prst="rect">
+            <a:avLst/>
+          </a:prstGeom>
+          <a:noFill/>
+        </p:spPr>
+        <p:txBody>
+          <a:bodyPr wrap="square" rtlCol="0">
+            <a:spAutoFit/>
+          </a:bodyPr>
+          <a:lstStyle/>
+          <a:p>
+            <a:r>
+              <a:rPr lang="en-GB" dirty="0"/>
+              <a:t>8</a:t>
+            </a:r>
+          </a:p>
+        </p:txBody>
+      </p:sp>
+    </p:spTree>
+    <p:extLst>
+      <p:ext uri="{BB962C8B-B14F-4D97-AF65-F5344CB8AC3E}">
+        <p14:creationId xmlns:p14="http://schemas.microsoft.com/office/powerpoint/2010/main" val="893834396"/>
+      </p:ext>
+    </p:extLst>
+  </p:cSld>
+  <p:clrMapOvr>
+    <a:masterClrMapping/>
+  </p:clrMapOvr>
+</p:sld>
+</file>
+
+<file path=ppt/slides/slide11.xml><?xml version="1.0" encoding="utf-8"?>
+<p:sld xmlns:a="http://schemas.openxmlformats.org/drawingml/2006/main" xmlns:r="http://schemas.openxmlformats.org/officeDocument/2006/relationships" xmlns:p="http://schemas.openxmlformats.org/presentationml/2006/main">
+  <p:cSld>
+    <p:spTree>
+      <p:nvGrpSpPr>
+        <p:cNvPr id="1" name=""/>
+        <p:cNvGrpSpPr/>
+        <p:nvPr/>
+      </p:nvGrpSpPr>
+      <p:grpSpPr>
+        <a:xfrm>
+          <a:off x="0" y="0"/>
+          <a:ext cx="0" cy="0"/>
+          <a:chOff x="0" y="0"/>
+          <a:chExt cx="0" cy="0"/>
+        </a:xfrm>
+      </p:grpSpPr>
+      <p:sp>
+        <p:nvSpPr>
+          <p:cNvPr id="2" name="Title 1">
+            <a:extLst>
+              <a:ext uri="{FF2B5EF4-FFF2-40B4-BE49-F238E27FC236}">
+                <a16:creationId xmlns:a16="http://schemas.microsoft.com/office/drawing/2014/main" id="{69109F98-F022-4ECE-8F94-982DF5556E8E}"/>
+              </a:ext>
+            </a:extLst>
+          </p:cNvPr>
+          <p:cNvSpPr>
+            <a:spLocks noGrp="1"/>
+          </p:cNvSpPr>
+          <p:nvPr>
+            <p:ph type="title"/>
+          </p:nvPr>
+        </p:nvSpPr>
+        <p:spPr/>
+        <p:txBody>
+          <a:bodyPr/>
+          <a:lstStyle/>
+          <a:p>
+            <a:r>
+              <a:rPr lang="en-GB" dirty="0"/>
+              <a:t>(S)CM Tools</a:t>
+            </a:r>
+          </a:p>
+        </p:txBody>
+      </p:sp>
+      <p:sp>
+        <p:nvSpPr>
+          <p:cNvPr id="3" name="Content Placeholder 2">
+            <a:extLst>
+              <a:ext uri="{FF2B5EF4-FFF2-40B4-BE49-F238E27FC236}">
+                <a16:creationId xmlns:a16="http://schemas.microsoft.com/office/drawing/2014/main" id="{A83617FE-2CAB-43A6-89B5-6953B18C3799}"/>
+              </a:ext>
+            </a:extLst>
+          </p:cNvPr>
+          <p:cNvSpPr>
+            <a:spLocks noGrp="1"/>
+          </p:cNvSpPr>
+          <p:nvPr>
+            <p:ph sz="half" idx="1"/>
+          </p:nvPr>
+        </p:nvSpPr>
+        <p:spPr/>
+        <p:txBody>
+          <a:bodyPr/>
+          <a:lstStyle/>
+          <a:p>
+            <a:r>
+              <a:rPr lang="en-GB" dirty="0"/>
+              <a:t>Many options for Tools and Services to manage CM</a:t>
+            </a:r>
+          </a:p>
+          <a:p>
+            <a:pPr lvl="1"/>
+            <a:r>
+              <a:rPr lang="en-GB" dirty="0"/>
+              <a:t>Automated</a:t>
+            </a:r>
+          </a:p>
+          <a:p>
+            <a:pPr lvl="1"/>
+            <a:r>
+              <a:rPr lang="en-GB" dirty="0"/>
+              <a:t>Artificial Intelligence &amp; Machine Learning</a:t>
+            </a:r>
+          </a:p>
+          <a:p>
+            <a:r>
+              <a:rPr lang="en-GB" dirty="0"/>
+              <a:t>Removes the need for dedicated Configuration Manager</a:t>
+            </a:r>
+          </a:p>
+        </p:txBody>
+      </p:sp>
+      <p:pic>
+        <p:nvPicPr>
+          <p:cNvPr id="6" name="Content Placeholder 5">
+            <a:extLst>
+              <a:ext uri="{FF2B5EF4-FFF2-40B4-BE49-F238E27FC236}">
+                <a16:creationId xmlns:a16="http://schemas.microsoft.com/office/drawing/2014/main" id="{667C7551-7ADD-4E4B-AF84-595591F2324F}"/>
+              </a:ext>
+            </a:extLst>
+          </p:cNvPr>
+          <p:cNvPicPr>
+            <a:picLocks noGrp="1" noChangeAspect="1"/>
+          </p:cNvPicPr>
+          <p:nvPr>
+            <p:ph sz="half" idx="2"/>
+          </p:nvPr>
+        </p:nvPicPr>
+        <p:blipFill>
+          <a:blip r:embed="rId2"/>
+          <a:stretch>
+            <a:fillRect/>
+          </a:stretch>
+        </p:blipFill>
+        <p:spPr>
+          <a:xfrm>
+            <a:off x="6833067" y="2531533"/>
+            <a:ext cx="3708198" cy="2785269"/>
+          </a:xfrm>
+        </p:spPr>
+      </p:pic>
+      <p:sp>
+        <p:nvSpPr>
+          <p:cNvPr id="7" name="TextBox 6">
+            <a:extLst>
+              <a:ext uri="{FF2B5EF4-FFF2-40B4-BE49-F238E27FC236}">
+                <a16:creationId xmlns:a16="http://schemas.microsoft.com/office/drawing/2014/main" id="{49ED0B52-EA3D-452C-96AB-B471E95E8478}"/>
+              </a:ext>
+            </a:extLst>
+          </p:cNvPr>
+          <p:cNvSpPr txBox="1"/>
+          <p:nvPr/>
+        </p:nvSpPr>
+        <p:spPr>
+          <a:xfrm>
+            <a:off x="10261379" y="2188910"/>
+            <a:ext cx="166255" cy="369332"/>
+          </a:xfrm>
+          <a:prstGeom prst="rect">
+            <a:avLst/>
+          </a:prstGeom>
+          <a:noFill/>
+        </p:spPr>
+        <p:txBody>
+          <a:bodyPr wrap="square" rtlCol="0">
+            <a:spAutoFit/>
+          </a:bodyPr>
+          <a:lstStyle/>
+          <a:p>
+            <a:r>
+              <a:rPr lang="en-GB" dirty="0"/>
+              <a:t>9</a:t>
+            </a:r>
+          </a:p>
+        </p:txBody>
+      </p:sp>
+    </p:spTree>
+    <p:extLst>
+      <p:ext uri="{BB962C8B-B14F-4D97-AF65-F5344CB8AC3E}">
+        <p14:creationId xmlns:p14="http://schemas.microsoft.com/office/powerpoint/2010/main" val="3237462623"/>
+      </p:ext>
+    </p:extLst>
+  </p:cSld>
+  <p:clrMapOvr>
+    <a:masterClrMapping/>
+  </p:clrMapOvr>
+</p:sld>
+</file>
+
+<file path=ppt/slides/slide12.xml><?xml version="1.0" encoding="utf-8"?>
+<p:sld xmlns:a="http://schemas.openxmlformats.org/drawingml/2006/main" xmlns:r="http://schemas.openxmlformats.org/officeDocument/2006/relationships" xmlns:p="http://schemas.openxmlformats.org/presentationml/2006/main">
+  <p:cSld>
+    <p:spTree>
+      <p:nvGrpSpPr>
+        <p:cNvPr id="1" name=""/>
+        <p:cNvGrpSpPr/>
+        <p:nvPr/>
+      </p:nvGrpSpPr>
+      <p:grpSpPr>
+        <a:xfrm>
+          <a:off x="0" y="0"/>
+          <a:ext cx="0" cy="0"/>
+          <a:chOff x="0" y="0"/>
+          <a:chExt cx="0" cy="0"/>
+        </a:xfrm>
+      </p:grpSpPr>
+      <p:sp>
+        <p:nvSpPr>
+          <p:cNvPr id="2" name="Title 1">
+            <a:extLst>
+              <a:ext uri="{FF2B5EF4-FFF2-40B4-BE49-F238E27FC236}">
+                <a16:creationId xmlns:a16="http://schemas.microsoft.com/office/drawing/2014/main" id="{B28B489E-DD19-4FD1-9ACE-8404DC65E011}"/>
+              </a:ext>
+            </a:extLst>
+          </p:cNvPr>
+          <p:cNvSpPr>
+            <a:spLocks noGrp="1"/>
+          </p:cNvSpPr>
+          <p:nvPr>
+            <p:ph type="title"/>
+          </p:nvPr>
+        </p:nvSpPr>
+        <p:spPr/>
+        <p:txBody>
+          <a:bodyPr/>
+          <a:lstStyle/>
+          <a:p>
+            <a:r>
+              <a:rPr lang="en-GB" dirty="0"/>
+              <a:t>At home</a:t>
+            </a:r>
+          </a:p>
+        </p:txBody>
+      </p:sp>
+      <p:sp>
+        <p:nvSpPr>
+          <p:cNvPr id="3" name="Content Placeholder 2">
+            <a:extLst>
+              <a:ext uri="{FF2B5EF4-FFF2-40B4-BE49-F238E27FC236}">
+                <a16:creationId xmlns:a16="http://schemas.microsoft.com/office/drawing/2014/main" id="{C4802854-EACC-4C6A-BB46-F078B5745FEC}"/>
+              </a:ext>
+            </a:extLst>
+          </p:cNvPr>
+          <p:cNvSpPr>
+            <a:spLocks noGrp="1"/>
+          </p:cNvSpPr>
+          <p:nvPr>
+            <p:ph idx="1"/>
+          </p:nvPr>
+        </p:nvSpPr>
+        <p:spPr/>
+        <p:txBody>
+          <a:bodyPr/>
+          <a:lstStyle/>
+          <a:p>
+            <a:r>
+              <a:rPr lang="en-GB" dirty="0"/>
+              <a:t>Many CM techniques are used in home life</a:t>
+            </a:r>
+          </a:p>
+          <a:p>
+            <a:pPr lvl="1"/>
+            <a:r>
+              <a:rPr lang="en-GB" dirty="0"/>
+              <a:t>Lists</a:t>
+            </a:r>
+          </a:p>
+          <a:p>
+            <a:pPr lvl="1"/>
+            <a:r>
+              <a:rPr lang="en-GB" dirty="0"/>
+              <a:t>Filing Conventions</a:t>
+            </a:r>
+          </a:p>
+          <a:p>
+            <a:r>
+              <a:rPr lang="en-GB" dirty="0"/>
+              <a:t>Can we increase the use of CM at home?</a:t>
+            </a:r>
+          </a:p>
+          <a:p>
+            <a:pPr lvl="1"/>
+            <a:r>
+              <a:rPr lang="en-GB" dirty="0"/>
+              <a:t>Some may consider further use as “overkill”</a:t>
+            </a:r>
+          </a:p>
+          <a:p>
+            <a:pPr lvl="1"/>
+            <a:r>
+              <a:rPr lang="en-GB" dirty="0"/>
+              <a:t>But CM in the home increases efficiency</a:t>
+            </a:r>
+          </a:p>
+          <a:p>
+            <a:pPr lvl="1"/>
+            <a:r>
+              <a:rPr lang="en-GB" dirty="0"/>
+              <a:t>Down to the individual homemakers</a:t>
+            </a:r>
+          </a:p>
+        </p:txBody>
+      </p:sp>
+    </p:spTree>
+    <p:extLst>
+      <p:ext uri="{BB962C8B-B14F-4D97-AF65-F5344CB8AC3E}">
+        <p14:creationId xmlns:p14="http://schemas.microsoft.com/office/powerpoint/2010/main" val="3866466109"/>
+      </p:ext>
+    </p:extLst>
+  </p:cSld>
+  <p:clrMapOvr>
+    <a:masterClrMapping/>
+  </p:clrMapOvr>
+</p:sld>
+</file>
+
+<file path=ppt/slides/slide13.xml><?xml version="1.0" encoding="utf-8"?>
+<p:sld xmlns:a="http://schemas.openxmlformats.org/drawingml/2006/main" xmlns:r="http://schemas.openxmlformats.org/officeDocument/2006/relationships" xmlns:p="http://schemas.openxmlformats.org/presentationml/2006/main">
+  <p:cSld>
+    <p:spTree>
+      <p:nvGrpSpPr>
+        <p:cNvPr id="1" name=""/>
+        <p:cNvGrpSpPr/>
+        <p:nvPr/>
+      </p:nvGrpSpPr>
+      <p:grpSpPr>
+        <a:xfrm>
+          <a:off x="0" y="0"/>
+          <a:ext cx="0" cy="0"/>
+          <a:chOff x="0" y="0"/>
+          <a:chExt cx="0" cy="0"/>
+        </a:xfrm>
+      </p:grpSpPr>
+      <p:sp>
+        <p:nvSpPr>
+          <p:cNvPr id="4" name="Title 3">
+            <a:extLst>
+              <a:ext uri="{FF2B5EF4-FFF2-40B4-BE49-F238E27FC236}">
+                <a16:creationId xmlns:a16="http://schemas.microsoft.com/office/drawing/2014/main" id="{55B2671F-F173-42A3-B7EF-4CB16D8148BC}"/>
+              </a:ext>
+            </a:extLst>
+          </p:cNvPr>
+          <p:cNvSpPr>
+            <a:spLocks noGrp="1"/>
+          </p:cNvSpPr>
+          <p:nvPr>
+            <p:ph type="title"/>
+          </p:nvPr>
+        </p:nvSpPr>
+        <p:spPr/>
+        <p:txBody>
+          <a:bodyPr/>
+          <a:lstStyle/>
+          <a:p>
+            <a:r>
+              <a:rPr lang="en-GB" dirty="0"/>
+              <a:t>Costs &amp; Benefits of Configuration Management</a:t>
+            </a:r>
+          </a:p>
+        </p:txBody>
+      </p:sp>
+      <p:sp>
+        <p:nvSpPr>
+          <p:cNvPr id="5" name="Text Placeholder 4">
+            <a:extLst>
+              <a:ext uri="{FF2B5EF4-FFF2-40B4-BE49-F238E27FC236}">
+                <a16:creationId xmlns:a16="http://schemas.microsoft.com/office/drawing/2014/main" id="{7A9FEFEA-FEBD-4022-AF72-37734380ED40}"/>
+              </a:ext>
+            </a:extLst>
+          </p:cNvPr>
+          <p:cNvSpPr>
+            <a:spLocks noGrp="1"/>
+          </p:cNvSpPr>
+          <p:nvPr>
+            <p:ph type="body" idx="1"/>
+          </p:nvPr>
+        </p:nvSpPr>
+        <p:spPr/>
+        <p:txBody>
+          <a:bodyPr/>
+          <a:lstStyle/>
+          <a:p>
+            <a:endParaRPr lang="en-GB" dirty="0"/>
+          </a:p>
+        </p:txBody>
+      </p:sp>
+    </p:spTree>
+    <p:extLst>
+      <p:ext uri="{BB962C8B-B14F-4D97-AF65-F5344CB8AC3E}">
+        <p14:creationId xmlns:p14="http://schemas.microsoft.com/office/powerpoint/2010/main" val="1596768087"/>
+      </p:ext>
+    </p:extLst>
+  </p:cSld>
+  <p:clrMapOvr>
+    <a:masterClrMapping/>
+  </p:clrMapOvr>
+</p:sld>
+</file>
+
+<file path=ppt/slides/slide14.xml><?xml version="1.0" encoding="utf-8"?>
+<p:sld xmlns:a="http://schemas.openxmlformats.org/drawingml/2006/main" xmlns:r="http://schemas.openxmlformats.org/officeDocument/2006/relationships" xmlns:p="http://schemas.openxmlformats.org/presentationml/2006/main">
+  <p:cSld>
+    <p:spTree>
+      <p:nvGrpSpPr>
+        <p:cNvPr id="1" name=""/>
+        <p:cNvGrpSpPr/>
+        <p:nvPr/>
+      </p:nvGrpSpPr>
+      <p:grpSpPr>
+        <a:xfrm>
+          <a:off x="0" y="0"/>
+          <a:ext cx="0" cy="0"/>
+          <a:chOff x="0" y="0"/>
+          <a:chExt cx="0" cy="0"/>
+        </a:xfrm>
+      </p:grpSpPr>
+      <p:sp>
+        <p:nvSpPr>
+          <p:cNvPr id="2" name="Title 1">
+            <a:extLst>
+              <a:ext uri="{FF2B5EF4-FFF2-40B4-BE49-F238E27FC236}">
+                <a16:creationId xmlns:a16="http://schemas.microsoft.com/office/drawing/2014/main" id="{D684D187-602B-4056-BCB3-814A7B1133C0}"/>
+              </a:ext>
+            </a:extLst>
+          </p:cNvPr>
+          <p:cNvSpPr>
+            <a:spLocks noGrp="1"/>
+          </p:cNvSpPr>
+          <p:nvPr>
+            <p:ph type="title"/>
+          </p:nvPr>
+        </p:nvSpPr>
+        <p:spPr/>
+        <p:txBody>
+          <a:bodyPr/>
+          <a:lstStyle/>
+          <a:p>
+            <a:r>
+              <a:rPr lang="en-GB" dirty="0"/>
+              <a:t>Benefits of (S)CM</a:t>
+            </a:r>
+          </a:p>
+        </p:txBody>
+      </p:sp>
+      <p:sp>
+        <p:nvSpPr>
+          <p:cNvPr id="3" name="Content Placeholder 2">
+            <a:extLst>
+              <a:ext uri="{FF2B5EF4-FFF2-40B4-BE49-F238E27FC236}">
+                <a16:creationId xmlns:a16="http://schemas.microsoft.com/office/drawing/2014/main" id="{23AF60BD-F2E2-4664-9F8B-0C3173D4AD26}"/>
+              </a:ext>
+            </a:extLst>
+          </p:cNvPr>
+          <p:cNvSpPr>
+            <a:spLocks noGrp="1"/>
+          </p:cNvSpPr>
+          <p:nvPr>
+            <p:ph idx="1"/>
+          </p:nvPr>
+        </p:nvSpPr>
+        <p:spPr/>
+        <p:txBody>
+          <a:bodyPr/>
+          <a:lstStyle/>
+          <a:p>
+            <a:r>
+              <a:rPr lang="en-GB" dirty="0"/>
+              <a:t>Increases</a:t>
+            </a:r>
+          </a:p>
+          <a:p>
+            <a:pPr lvl="1"/>
+            <a:r>
+              <a:rPr lang="en-GB" dirty="0"/>
+              <a:t>Efficiency</a:t>
+            </a:r>
+          </a:p>
+          <a:p>
+            <a:pPr lvl="1"/>
+            <a:r>
+              <a:rPr lang="en-GB" dirty="0"/>
+              <a:t>Team Communication (internal and external)</a:t>
+            </a:r>
+          </a:p>
+          <a:p>
+            <a:r>
+              <a:rPr lang="en-GB" dirty="0"/>
+              <a:t>Decreases tasks complexity</a:t>
+            </a:r>
+          </a:p>
+          <a:p>
+            <a:r>
+              <a:rPr lang="en-GB" dirty="0"/>
+              <a:t>Ability to track changes and issues from start to finish</a:t>
+            </a:r>
+          </a:p>
+        </p:txBody>
+      </p:sp>
+    </p:spTree>
+    <p:extLst>
+      <p:ext uri="{BB962C8B-B14F-4D97-AF65-F5344CB8AC3E}">
+        <p14:creationId xmlns:p14="http://schemas.microsoft.com/office/powerpoint/2010/main" val="2484132505"/>
+      </p:ext>
+    </p:extLst>
+  </p:cSld>
+  <p:clrMapOvr>
+    <a:masterClrMapping/>
+  </p:clrMapOvr>
+</p:sld>
+</file>
+
+<file path=ppt/slides/slide15.xml><?xml version="1.0" encoding="utf-8"?>
+<p:sld xmlns:a="http://schemas.openxmlformats.org/drawingml/2006/main" xmlns:r="http://schemas.openxmlformats.org/officeDocument/2006/relationships" xmlns:p="http://schemas.openxmlformats.org/presentationml/2006/main">
+  <p:cSld>
+    <p:spTree>
+      <p:nvGrpSpPr>
+        <p:cNvPr id="1" name=""/>
+        <p:cNvGrpSpPr/>
+        <p:nvPr/>
+      </p:nvGrpSpPr>
+      <p:grpSpPr>
+        <a:xfrm>
+          <a:off x="0" y="0"/>
+          <a:ext cx="0" cy="0"/>
+          <a:chOff x="0" y="0"/>
+          <a:chExt cx="0" cy="0"/>
+        </a:xfrm>
+      </p:grpSpPr>
+      <p:sp>
+        <p:nvSpPr>
+          <p:cNvPr id="2" name="Title 1">
+            <a:extLst>
+              <a:ext uri="{FF2B5EF4-FFF2-40B4-BE49-F238E27FC236}">
+                <a16:creationId xmlns:a16="http://schemas.microsoft.com/office/drawing/2014/main" id="{834FE5CF-6A7C-4DCD-8C0C-F82925A5B739}"/>
+              </a:ext>
+            </a:extLst>
+          </p:cNvPr>
+          <p:cNvSpPr>
+            <a:spLocks noGrp="1"/>
+          </p:cNvSpPr>
+          <p:nvPr>
+            <p:ph type="title"/>
+          </p:nvPr>
+        </p:nvSpPr>
+        <p:spPr/>
+        <p:txBody>
+          <a:bodyPr/>
+          <a:lstStyle/>
+          <a:p>
+            <a:r>
+              <a:rPr lang="en-GB" dirty="0"/>
+              <a:t>Costs of (S)CM	</a:t>
+            </a:r>
+          </a:p>
+        </p:txBody>
+      </p:sp>
+      <p:sp>
+        <p:nvSpPr>
+          <p:cNvPr id="3" name="Content Placeholder 2">
+            <a:extLst>
+              <a:ext uri="{FF2B5EF4-FFF2-40B4-BE49-F238E27FC236}">
+                <a16:creationId xmlns:a16="http://schemas.microsoft.com/office/drawing/2014/main" id="{33C3AF8A-2163-4FE5-BDAC-0448EEF6B508}"/>
+              </a:ext>
+            </a:extLst>
+          </p:cNvPr>
+          <p:cNvSpPr>
+            <a:spLocks noGrp="1"/>
+          </p:cNvSpPr>
+          <p:nvPr>
+            <p:ph idx="1"/>
+          </p:nvPr>
+        </p:nvSpPr>
+        <p:spPr/>
+        <p:txBody>
+          <a:bodyPr>
+            <a:normAutofit fontScale="92500" lnSpcReduction="20000"/>
+          </a:bodyPr>
+          <a:lstStyle/>
+          <a:p>
+            <a:r>
+              <a:rPr lang="en-GB" dirty="0"/>
+              <a:t>Financial &amp; Time costs:</a:t>
+            </a:r>
+          </a:p>
+          <a:p>
+            <a:pPr lvl="1"/>
+            <a:r>
+              <a:rPr lang="en-GB" dirty="0"/>
+              <a:t>Configuration, Project, Resource Managers salaries</a:t>
+            </a:r>
+          </a:p>
+          <a:p>
+            <a:pPr lvl="1"/>
+            <a:r>
+              <a:rPr lang="en-GB" dirty="0"/>
+              <a:t>Licenses for tools</a:t>
+            </a:r>
+          </a:p>
+          <a:p>
+            <a:pPr lvl="1"/>
+            <a:r>
+              <a:rPr lang="en-GB" dirty="0"/>
+              <a:t>Time needed to complete CM reports</a:t>
+            </a:r>
+          </a:p>
+          <a:p>
+            <a:pPr lvl="1"/>
+            <a:r>
+              <a:rPr lang="en-GB" dirty="0"/>
+              <a:t>Checking work done by CM tools</a:t>
+            </a:r>
+          </a:p>
+          <a:p>
+            <a:r>
+              <a:rPr lang="en-GB" dirty="0"/>
+              <a:t>Risks</a:t>
+            </a:r>
+          </a:p>
+          <a:p>
+            <a:pPr lvl="1"/>
+            <a:r>
+              <a:rPr lang="en-GB" dirty="0"/>
+              <a:t>Increased complexity</a:t>
+            </a:r>
+          </a:p>
+          <a:p>
+            <a:pPr lvl="1"/>
+            <a:r>
+              <a:rPr lang="en-GB" dirty="0"/>
+              <a:t>Confusing paper trails</a:t>
+            </a:r>
+          </a:p>
+          <a:p>
+            <a:pPr lvl="1"/>
+            <a:r>
+              <a:rPr lang="en-GB" dirty="0"/>
+              <a:t>Arguments</a:t>
+            </a:r>
+          </a:p>
+          <a:p>
+            <a:pPr lvl="1"/>
+            <a:endParaRPr lang="en-GB" dirty="0"/>
+          </a:p>
+        </p:txBody>
+      </p:sp>
+    </p:spTree>
+    <p:extLst>
+      <p:ext uri="{BB962C8B-B14F-4D97-AF65-F5344CB8AC3E}">
+        <p14:creationId xmlns:p14="http://schemas.microsoft.com/office/powerpoint/2010/main" val="2296757622"/>
+      </p:ext>
+    </p:extLst>
+  </p:cSld>
+  <p:clrMapOvr>
+    <a:masterClrMapping/>
+  </p:clrMapOvr>
+</p:sld>
+</file>
+
+<file path=ppt/slides/slide16.xml><?xml version="1.0" encoding="utf-8"?>
+<p:sld xmlns:a="http://schemas.openxmlformats.org/drawingml/2006/main" xmlns:r="http://schemas.openxmlformats.org/officeDocument/2006/relationships" xmlns:p="http://schemas.openxmlformats.org/presentationml/2006/main">
+  <p:cSld>
+    <p:spTree>
+      <p:nvGrpSpPr>
+        <p:cNvPr id="1" name=""/>
+        <p:cNvGrpSpPr/>
+        <p:nvPr/>
+      </p:nvGrpSpPr>
+      <p:grpSpPr>
+        <a:xfrm>
+          <a:off x="0" y="0"/>
+          <a:ext cx="0" cy="0"/>
+          <a:chOff x="0" y="0"/>
+          <a:chExt cx="0" cy="0"/>
+        </a:xfrm>
+      </p:grpSpPr>
+      <p:sp>
+        <p:nvSpPr>
+          <p:cNvPr id="2" name="Title 1">
+            <a:extLst>
+              <a:ext uri="{FF2B5EF4-FFF2-40B4-BE49-F238E27FC236}">
+                <a16:creationId xmlns:a16="http://schemas.microsoft.com/office/drawing/2014/main" id="{D3C72CE5-FB5A-4E45-94EF-ECFA0C8E5F54}"/>
+              </a:ext>
+            </a:extLst>
+          </p:cNvPr>
+          <p:cNvSpPr>
+            <a:spLocks noGrp="1"/>
+          </p:cNvSpPr>
+          <p:nvPr>
+            <p:ph type="title"/>
+          </p:nvPr>
+        </p:nvSpPr>
+        <p:spPr/>
+        <p:txBody>
+          <a:bodyPr/>
+          <a:lstStyle/>
+          <a:p>
+            <a:r>
+              <a:rPr lang="en-GB" dirty="0"/>
+              <a:t>Summary</a:t>
+            </a:r>
+          </a:p>
+        </p:txBody>
+      </p:sp>
+      <p:sp>
+        <p:nvSpPr>
+          <p:cNvPr id="3" name="Content Placeholder 2">
+            <a:extLst>
+              <a:ext uri="{FF2B5EF4-FFF2-40B4-BE49-F238E27FC236}">
+                <a16:creationId xmlns:a16="http://schemas.microsoft.com/office/drawing/2014/main" id="{8C1653FD-7A27-4A53-AAD0-6B95B967DD81}"/>
+              </a:ext>
+            </a:extLst>
+          </p:cNvPr>
+          <p:cNvSpPr>
+            <a:spLocks noGrp="1"/>
+          </p:cNvSpPr>
+          <p:nvPr>
+            <p:ph idx="1"/>
+          </p:nvPr>
+        </p:nvSpPr>
+        <p:spPr/>
+        <p:txBody>
+          <a:bodyPr>
+            <a:normAutofit lnSpcReduction="10000"/>
+          </a:bodyPr>
+          <a:lstStyle/>
+          <a:p>
+            <a:r>
+              <a:rPr lang="en-GB" dirty="0"/>
+              <a:t>CM is a series of processes that help manage a project</a:t>
+            </a:r>
+          </a:p>
+          <a:p>
+            <a:r>
+              <a:rPr lang="en-GB" dirty="0"/>
+              <a:t>(S)CM produces a paper trail giving the ability to track project accurately</a:t>
+            </a:r>
+          </a:p>
+          <a:p>
+            <a:r>
+              <a:rPr lang="en-GB" dirty="0"/>
+              <a:t>CM is used both in the Office and at Home</a:t>
+            </a:r>
+          </a:p>
+          <a:p>
+            <a:pPr lvl="1"/>
+            <a:r>
+              <a:rPr lang="en-GB" dirty="0"/>
+              <a:t>We can (and should) increase the use of CM in our homes</a:t>
+            </a:r>
+          </a:p>
+          <a:p>
+            <a:r>
+              <a:rPr lang="en-GB" dirty="0"/>
+              <a:t>Many tools are available to manage CM for you</a:t>
+            </a:r>
+          </a:p>
+          <a:p>
+            <a:r>
+              <a:rPr lang="en-GB" dirty="0"/>
+              <a:t>But all CM requires time and money, and when done incorrectly it can harm a project</a:t>
+            </a:r>
+          </a:p>
+        </p:txBody>
+      </p:sp>
+    </p:spTree>
+    <p:extLst>
+      <p:ext uri="{BB962C8B-B14F-4D97-AF65-F5344CB8AC3E}">
+        <p14:creationId xmlns:p14="http://schemas.microsoft.com/office/powerpoint/2010/main" val="2354918105"/>
+      </p:ext>
+    </p:extLst>
+  </p:cSld>
+  <p:clrMapOvr>
+    <a:masterClrMapping/>
+  </p:clrMapOvr>
+</p:sld>
+</file>
+
+<file path=ppt/slides/slide17.xml><?xml version="1.0" encoding="utf-8"?>
+<p:sld xmlns:a="http://schemas.openxmlformats.org/drawingml/2006/main" xmlns:r="http://schemas.openxmlformats.org/officeDocument/2006/relationships" xmlns:p="http://schemas.openxmlformats.org/presentationml/2006/main">
+  <p:cSld>
+    <p:spTree>
+      <p:nvGrpSpPr>
+        <p:cNvPr id="1" name=""/>
+        <p:cNvGrpSpPr/>
+        <p:nvPr/>
+      </p:nvGrpSpPr>
+      <p:grpSpPr>
+        <a:xfrm>
+          <a:off x="0" y="0"/>
+          <a:ext cx="0" cy="0"/>
+          <a:chOff x="0" y="0"/>
+          <a:chExt cx="0" cy="0"/>
+        </a:xfrm>
+      </p:grpSpPr>
+      <p:sp>
+        <p:nvSpPr>
+          <p:cNvPr id="2" name="Title 1">
+            <a:extLst>
+              <a:ext uri="{FF2B5EF4-FFF2-40B4-BE49-F238E27FC236}">
+                <a16:creationId xmlns:a16="http://schemas.microsoft.com/office/drawing/2014/main" id="{31053C5B-996D-4B5D-8740-3A6A405C2906}"/>
+              </a:ext>
+            </a:extLst>
+          </p:cNvPr>
+          <p:cNvSpPr>
+            <a:spLocks noGrp="1"/>
+          </p:cNvSpPr>
+          <p:nvPr>
+            <p:ph type="title"/>
+          </p:nvPr>
+        </p:nvSpPr>
+        <p:spPr/>
+        <p:txBody>
+          <a:bodyPr/>
+          <a:lstStyle/>
+          <a:p>
+            <a:r>
+              <a:rPr lang="en-GB" dirty="0"/>
+              <a:t>References</a:t>
+            </a:r>
+          </a:p>
+        </p:txBody>
+      </p:sp>
+      <p:sp>
+        <p:nvSpPr>
+          <p:cNvPr id="3" name="Content Placeholder 2">
+            <a:extLst>
+              <a:ext uri="{FF2B5EF4-FFF2-40B4-BE49-F238E27FC236}">
+                <a16:creationId xmlns:a16="http://schemas.microsoft.com/office/drawing/2014/main" id="{0D5BC11C-2F2E-45B1-A2EA-DB58A6FA1CCE}"/>
+              </a:ext>
+            </a:extLst>
+          </p:cNvPr>
+          <p:cNvSpPr>
+            <a:spLocks noGrp="1"/>
+          </p:cNvSpPr>
+          <p:nvPr>
+            <p:ph idx="1"/>
+          </p:nvPr>
+        </p:nvSpPr>
+        <p:spPr/>
+        <p:txBody>
+          <a:bodyPr>
+            <a:normAutofit fontScale="77500" lnSpcReduction="20000"/>
+          </a:bodyPr>
+          <a:lstStyle/>
+          <a:p>
+            <a:pPr marL="457200" indent="-457200">
+              <a:buFont typeface="+mj-lt"/>
+              <a:buAutoNum type="arabicPeriod"/>
+            </a:pPr>
+            <a:r>
+              <a:rPr lang="en-GB" dirty="0"/>
+              <a:t>Association for Project Management (2017). Configuration Management</a:t>
+            </a:r>
+          </a:p>
+          <a:p>
+            <a:pPr marL="457200" indent="-457200">
+              <a:buFont typeface="+mj-lt"/>
+              <a:buAutoNum type="arabicPeriod"/>
+            </a:pPr>
+            <a:r>
+              <a:rPr lang="en-GB" dirty="0"/>
+              <a:t>Dickson, S. (2015). 10 Important Guns of WWII. The Vintage News</a:t>
+            </a:r>
+          </a:p>
+          <a:p>
+            <a:pPr marL="457200" indent="-457200">
+              <a:buFont typeface="+mj-lt"/>
+              <a:buAutoNum type="arabicPeriod"/>
+            </a:pPr>
+            <a:r>
+              <a:rPr lang="en-GB" dirty="0"/>
+              <a:t>Fawcett, Glenn (2015). U.S. Department of Defence</a:t>
+            </a:r>
+          </a:p>
+          <a:p>
+            <a:pPr marL="457200" indent="-457200">
+              <a:buFont typeface="+mj-lt"/>
+              <a:buAutoNum type="arabicPeriod"/>
+            </a:pPr>
+            <a:r>
+              <a:rPr lang="en-GB" dirty="0"/>
+              <a:t>MIL-HDBK-61A(SE) Configuration Management Guidance (2001). U.S. Department of Defence</a:t>
+            </a:r>
+          </a:p>
+          <a:p>
+            <a:pPr marL="457200" indent="-457200">
+              <a:buFont typeface="+mj-lt"/>
+              <a:buAutoNum type="arabicPeriod"/>
+            </a:pPr>
+            <a:r>
+              <a:rPr lang="en-GB" dirty="0"/>
+              <a:t>EIA/ECA-310 Cabinets, Racks, Panels and Associated Equipment (2005). EIA</a:t>
+            </a:r>
+          </a:p>
+          <a:p>
+            <a:pPr marL="457200" indent="-457200">
+              <a:buFont typeface="+mj-lt"/>
+              <a:buAutoNum type="arabicPeriod"/>
+            </a:pPr>
+            <a:r>
+              <a:rPr lang="en-GB" dirty="0"/>
+              <a:t>INTIS Logo (2018). International Committee for Information Technology Standards</a:t>
+            </a:r>
+          </a:p>
+          <a:p>
+            <a:pPr marL="457200" indent="-457200">
+              <a:buFont typeface="+mj-lt"/>
+              <a:buAutoNum type="arabicPeriod"/>
+            </a:pPr>
+            <a:r>
+              <a:rPr lang="en-GB" dirty="0"/>
+              <a:t>A Guide to Open Source Cloud Computing Software (2014). Bryant, Christian</a:t>
+            </a:r>
+          </a:p>
+          <a:p>
+            <a:pPr marL="457200" indent="-457200">
+              <a:buFont typeface="+mj-lt"/>
+              <a:buAutoNum type="arabicPeriod"/>
+            </a:pPr>
+            <a:r>
+              <a:rPr lang="en-GB" dirty="0"/>
+              <a:t>Configuration Management Life-Cycle Diagram (2014), </a:t>
+            </a:r>
+            <a:r>
+              <a:rPr lang="en-GB" dirty="0" err="1"/>
+              <a:t>BusinessProDesigns</a:t>
+            </a:r>
+            <a:endParaRPr lang="en-GB" dirty="0"/>
+          </a:p>
+          <a:p>
+            <a:pPr marL="457200" indent="-457200">
+              <a:buFont typeface="+mj-lt"/>
+              <a:buAutoNum type="arabicPeriod"/>
+            </a:pPr>
+            <a:endParaRPr lang="en-GB" dirty="0"/>
+          </a:p>
+        </p:txBody>
+      </p:sp>
+    </p:spTree>
+    <p:extLst>
+      <p:ext uri="{BB962C8B-B14F-4D97-AF65-F5344CB8AC3E}">
+        <p14:creationId xmlns:p14="http://schemas.microsoft.com/office/powerpoint/2010/main" val="59892723"/>
+      </p:ext>
+    </p:extLst>
+  </p:cSld>
+  <p:clrMapOvr>
+    <a:masterClrMapping/>
+  </p:clrMapOvr>
+</p:sld>
+</file>
+
 <file path=ppt/slides/slide2.xml><?xml version="1.0" encoding="utf-8"?>
 <p:sld xmlns:a="http://schemas.openxmlformats.org/drawingml/2006/main" xmlns:r="http://schemas.openxmlformats.org/officeDocument/2006/relationships" xmlns:p="http://schemas.openxmlformats.org/presentationml/2006/main">
   <p:cSld>
@@ -12509,7 +13647,7 @@
         <p:spPr/>
         <p:txBody>
           <a:bodyPr>
-            <a:normAutofit/>
+            <a:normAutofit fontScale="92500" lnSpcReduction="10000"/>
           </a:bodyPr>
           <a:lstStyle/>
           <a:p>
@@ -12533,9 +13671,17 @@
             </a:r>
           </a:p>
           <a:p>
+            <a:pPr lvl="1"/>
             <a:r>
               <a:rPr lang="en-GB" dirty="0"/>
               <a:t>The 5 Functions of Configuration Management</a:t>
+            </a:r>
+          </a:p>
+          <a:p>
+            <a:pPr lvl="2"/>
+            <a:r>
+              <a:rPr lang="en-GB" dirty="0"/>
+              <a:t>CM Planning and Management</a:t>
             </a:r>
           </a:p>
           <a:p>
@@ -12641,7 +13787,9 @@
         </p:nvSpPr>
         <p:spPr/>
         <p:txBody>
-          <a:bodyPr/>
+          <a:bodyPr numCol="2">
+            <a:normAutofit/>
+          </a:bodyPr>
           <a:lstStyle/>
           <a:p>
             <a:pPr marL="285750" indent="-285750">
@@ -12661,6 +13809,26 @@
             <a:r>
               <a:rPr lang="en-GB" dirty="0"/>
               <a:t>History</a:t>
+            </a:r>
+          </a:p>
+          <a:p>
+            <a:pPr marL="285750" indent="-285750">
+              <a:buFontTx/>
+              <a:buChar char="-"/>
+            </a:pPr>
+            <a:r>
+              <a:rPr lang="en-GB" dirty="0"/>
+              <a:t>Functions</a:t>
+            </a:r>
+          </a:p>
+          <a:p>
+            <a:pPr marL="285750" indent="-285750">
+              <a:buFontTx/>
+              <a:buChar char="-"/>
+            </a:pPr>
+            <a:r>
+              <a:rPr lang="en-GB" dirty="0"/>
+              <a:t>Software configuration management</a:t>
             </a:r>
           </a:p>
           <a:p>
@@ -13472,10 +14640,10 @@
       </p:grpSpPr>
       <p:sp>
         <p:nvSpPr>
-          <p:cNvPr id="2" name="Title 1">
+          <p:cNvPr id="5" name="Title 4">
             <a:extLst>
               <a:ext uri="{FF2B5EF4-FFF2-40B4-BE49-F238E27FC236}">
-                <a16:creationId xmlns:a16="http://schemas.microsoft.com/office/drawing/2014/main" id="{31053C5B-996D-4B5D-8740-3A6A405C2906}"/>
+                <a16:creationId xmlns:a16="http://schemas.microsoft.com/office/drawing/2014/main" id="{1F36076F-A9CB-4801-A8E2-EF35E30106B9}"/>
               </a:ext>
             </a:extLst>
           </p:cNvPr>
@@ -13493,17 +14661,17 @@
           <a:p>
             <a:r>
               <a:rPr lang="en-GB" dirty="0"/>
-              <a:t>References</a:t>
-            </a:r>
-          </a:p>
-        </p:txBody>
-      </p:sp>
-      <p:sp>
-        <p:nvSpPr>
-          <p:cNvPr id="3" name="Content Placeholder 2">
+              <a:t>The 5 functions of configuration management</a:t>
+            </a:r>
+          </a:p>
+        </p:txBody>
+      </p:sp>
+      <p:sp>
+        <p:nvSpPr>
+          <p:cNvPr id="6" name="Content Placeholder 5">
             <a:extLst>
               <a:ext uri="{FF2B5EF4-FFF2-40B4-BE49-F238E27FC236}">
-                <a16:creationId xmlns:a16="http://schemas.microsoft.com/office/drawing/2014/main" id="{0D5BC11C-2F2E-45B1-A2EA-DB58A6FA1CCE}"/>
+                <a16:creationId xmlns:a16="http://schemas.microsoft.com/office/drawing/2014/main" id="{C9108291-0762-493A-8005-8B694CA7ADC2}"/>
               </a:ext>
             </a:extLst>
           </p:cNvPr>
@@ -13525,7 +14693,7 @@
             </a:pPr>
             <a:r>
               <a:rPr lang="en-GB" dirty="0"/>
-              <a:t>Association for Project Management (2017). Configuration Management</a:t>
+              <a:t>CM Planning and Management</a:t>
             </a:r>
           </a:p>
           <a:p>
@@ -13535,7 +14703,7 @@
             </a:pPr>
             <a:r>
               <a:rPr lang="en-GB" dirty="0"/>
-              <a:t>Dickson, S. (2015). 10 Important Guns of WWII. The Vintage News</a:t>
+              <a:t>Configuration Identification</a:t>
             </a:r>
           </a:p>
           <a:p>
@@ -13545,7 +14713,27 @@
             </a:pPr>
             <a:r>
               <a:rPr lang="en-GB" dirty="0"/>
-              <a:t>Fawcett, Glenn (2015). U.S. Department of Defence</a:t>
+              <a:t>Configuration Control</a:t>
+            </a:r>
+          </a:p>
+          <a:p>
+            <a:pPr marL="457200" indent="-457200">
+              <a:buFont typeface="+mj-lt"/>
+              <a:buAutoNum type="arabicPeriod"/>
+            </a:pPr>
+            <a:r>
+              <a:rPr lang="en-GB" dirty="0"/>
+              <a:t>Change Status and Accounting</a:t>
+            </a:r>
+          </a:p>
+          <a:p>
+            <a:pPr marL="457200" indent="-457200">
+              <a:buFont typeface="+mj-lt"/>
+              <a:buAutoNum type="arabicPeriod"/>
+            </a:pPr>
+            <a:r>
+              <a:rPr lang="en-GB" dirty="0"/>
+              <a:t>Configuration Verification &amp; Audit</a:t>
             </a:r>
           </a:p>
         </p:txBody>
@@ -13553,7 +14741,413 @@
     </p:spTree>
     <p:extLst>
       <p:ext uri="{BB962C8B-B14F-4D97-AF65-F5344CB8AC3E}">
-        <p14:creationId xmlns:p14="http://schemas.microsoft.com/office/powerpoint/2010/main" val="59892723"/>
+        <p14:creationId xmlns:p14="http://schemas.microsoft.com/office/powerpoint/2010/main" val="2672422829"/>
+      </p:ext>
+    </p:extLst>
+  </p:cSld>
+  <p:clrMapOvr>
+    <a:masterClrMapping/>
+  </p:clrMapOvr>
+</p:sld>
+</file>
+
+<file path=ppt/slides/slide7.xml><?xml version="1.0" encoding="utf-8"?>
+<p:sld xmlns:a="http://schemas.openxmlformats.org/drawingml/2006/main" xmlns:r="http://schemas.openxmlformats.org/officeDocument/2006/relationships" xmlns:p="http://schemas.openxmlformats.org/presentationml/2006/main">
+  <p:cSld>
+    <p:spTree>
+      <p:nvGrpSpPr>
+        <p:cNvPr id="1" name=""/>
+        <p:cNvGrpSpPr/>
+        <p:nvPr/>
+      </p:nvGrpSpPr>
+      <p:grpSpPr>
+        <a:xfrm>
+          <a:off x="0" y="0"/>
+          <a:ext cx="0" cy="0"/>
+          <a:chOff x="0" y="0"/>
+          <a:chExt cx="0" cy="0"/>
+        </a:xfrm>
+      </p:grpSpPr>
+      <p:sp>
+        <p:nvSpPr>
+          <p:cNvPr id="2" name="Title 1">
+            <a:extLst>
+              <a:ext uri="{FF2B5EF4-FFF2-40B4-BE49-F238E27FC236}">
+                <a16:creationId xmlns:a16="http://schemas.microsoft.com/office/drawing/2014/main" id="{F2C9BEA0-72E2-4B10-A531-37CCEB0BFB59}"/>
+              </a:ext>
+            </a:extLst>
+          </p:cNvPr>
+          <p:cNvSpPr>
+            <a:spLocks noGrp="1"/>
+          </p:cNvSpPr>
+          <p:nvPr>
+            <p:ph type="title"/>
+          </p:nvPr>
+        </p:nvSpPr>
+        <p:spPr/>
+        <p:txBody>
+          <a:bodyPr/>
+          <a:lstStyle/>
+          <a:p>
+            <a:r>
+              <a:rPr lang="en-GB" dirty="0"/>
+              <a:t>CM Planning and Management</a:t>
+            </a:r>
+          </a:p>
+        </p:txBody>
+      </p:sp>
+      <p:sp>
+        <p:nvSpPr>
+          <p:cNvPr id="3" name="Content Placeholder 2">
+            <a:extLst>
+              <a:ext uri="{FF2B5EF4-FFF2-40B4-BE49-F238E27FC236}">
+                <a16:creationId xmlns:a16="http://schemas.microsoft.com/office/drawing/2014/main" id="{863A2DCF-95DF-4A4C-9BD7-03A8EEA28DF1}"/>
+              </a:ext>
+            </a:extLst>
+          </p:cNvPr>
+          <p:cNvSpPr>
+            <a:spLocks noGrp="1"/>
+          </p:cNvSpPr>
+          <p:nvPr>
+            <p:ph sz="half" idx="1"/>
+          </p:nvPr>
+        </p:nvSpPr>
+        <p:spPr>
+          <a:xfrm>
+            <a:off x="1141413" y="1902351"/>
+            <a:ext cx="9905998" cy="4396847"/>
+          </a:xfrm>
+        </p:spPr>
+        <p:txBody>
+          <a:bodyPr numCol="1">
+            <a:normAutofit/>
+          </a:bodyPr>
+          <a:lstStyle/>
+          <a:p>
+            <a:r>
+              <a:rPr lang="en-GB" dirty="0"/>
+              <a:t>Formal document outlining processes required for the project:</a:t>
+            </a:r>
+          </a:p>
+          <a:p>
+            <a:pPr lvl="1"/>
+            <a:r>
+              <a:rPr lang="en-GB" dirty="0"/>
+              <a:t>Personnel</a:t>
+            </a:r>
+          </a:p>
+          <a:p>
+            <a:pPr lvl="1"/>
+            <a:r>
+              <a:rPr lang="en-GB" dirty="0"/>
+              <a:t>Responsibilities &amp; Resources</a:t>
+            </a:r>
+          </a:p>
+          <a:p>
+            <a:pPr lvl="1"/>
+            <a:r>
+              <a:rPr lang="en-GB" dirty="0"/>
+              <a:t>Training</a:t>
+            </a:r>
+          </a:p>
+          <a:p>
+            <a:pPr lvl="1"/>
+            <a:r>
+              <a:rPr lang="en-GB" dirty="0"/>
+              <a:t>Administrative meeting guidelines</a:t>
+            </a:r>
+          </a:p>
+          <a:p>
+            <a:pPr lvl="1"/>
+            <a:r>
+              <a:rPr lang="en-GB" dirty="0"/>
+              <a:t>Baselining resources</a:t>
+            </a:r>
+          </a:p>
+          <a:p>
+            <a:pPr lvl="1"/>
+            <a:r>
+              <a:rPr lang="en-GB" dirty="0"/>
+              <a:t>Configuration Control &amp; Status Accounting</a:t>
+            </a:r>
+          </a:p>
+          <a:p>
+            <a:pPr lvl="1"/>
+            <a:r>
+              <a:rPr lang="en-GB" dirty="0"/>
+              <a:t>Naming Conventions</a:t>
+            </a:r>
+          </a:p>
+          <a:p>
+            <a:pPr lvl="1"/>
+            <a:r>
+              <a:rPr lang="en-GB" dirty="0"/>
+              <a:t>Audits &amp; reviews</a:t>
+            </a:r>
+          </a:p>
+          <a:p>
+            <a:pPr lvl="1"/>
+            <a:r>
+              <a:rPr lang="en-GB" dirty="0"/>
+              <a:t>Subcontractor/Vendor CM Requirements</a:t>
+            </a:r>
+          </a:p>
+        </p:txBody>
+      </p:sp>
+    </p:spTree>
+    <p:extLst>
+      <p:ext uri="{BB962C8B-B14F-4D97-AF65-F5344CB8AC3E}">
+        <p14:creationId xmlns:p14="http://schemas.microsoft.com/office/powerpoint/2010/main" val="3216197624"/>
+      </p:ext>
+    </p:extLst>
+  </p:cSld>
+  <p:clrMapOvr>
+    <a:masterClrMapping/>
+  </p:clrMapOvr>
+</p:sld>
+</file>
+
+<file path=ppt/slides/slide8.xml><?xml version="1.0" encoding="utf-8"?>
+<p:sld xmlns:a="http://schemas.openxmlformats.org/drawingml/2006/main" xmlns:r="http://schemas.openxmlformats.org/officeDocument/2006/relationships" xmlns:p="http://schemas.openxmlformats.org/presentationml/2006/main">
+  <p:cSld>
+    <p:spTree>
+      <p:nvGrpSpPr>
+        <p:cNvPr id="1" name=""/>
+        <p:cNvGrpSpPr/>
+        <p:nvPr/>
+      </p:nvGrpSpPr>
+      <p:grpSpPr>
+        <a:xfrm>
+          <a:off x="0" y="0"/>
+          <a:ext cx="0" cy="0"/>
+          <a:chOff x="0" y="0"/>
+          <a:chExt cx="0" cy="0"/>
+        </a:xfrm>
+      </p:grpSpPr>
+      <p:sp>
+        <p:nvSpPr>
+          <p:cNvPr id="2" name="Title 1">
+            <a:extLst>
+              <a:ext uri="{FF2B5EF4-FFF2-40B4-BE49-F238E27FC236}">
+                <a16:creationId xmlns:a16="http://schemas.microsoft.com/office/drawing/2014/main" id="{E8EF57BD-2CFD-485C-B178-3EA2F07BA461}"/>
+              </a:ext>
+            </a:extLst>
+          </p:cNvPr>
+          <p:cNvSpPr>
+            <a:spLocks noGrp="1"/>
+          </p:cNvSpPr>
+          <p:nvPr>
+            <p:ph type="title"/>
+          </p:nvPr>
+        </p:nvSpPr>
+        <p:spPr/>
+        <p:txBody>
+          <a:bodyPr/>
+          <a:lstStyle/>
+          <a:p>
+            <a:r>
+              <a:rPr lang="en-GB" dirty="0"/>
+              <a:t>Software configuration management (SCM)</a:t>
+            </a:r>
+          </a:p>
+        </p:txBody>
+      </p:sp>
+      <p:sp>
+        <p:nvSpPr>
+          <p:cNvPr id="3" name="Content Placeholder 2">
+            <a:extLst>
+              <a:ext uri="{FF2B5EF4-FFF2-40B4-BE49-F238E27FC236}">
+                <a16:creationId xmlns:a16="http://schemas.microsoft.com/office/drawing/2014/main" id="{4BACFA5E-980F-48A2-B6EE-4CE197D4B4DB}"/>
+              </a:ext>
+            </a:extLst>
+          </p:cNvPr>
+          <p:cNvSpPr>
+            <a:spLocks noGrp="1"/>
+          </p:cNvSpPr>
+          <p:nvPr>
+            <p:ph idx="1"/>
+          </p:nvPr>
+        </p:nvSpPr>
+        <p:spPr/>
+        <p:txBody>
+          <a:bodyPr/>
+          <a:lstStyle/>
+          <a:p>
+            <a:r>
+              <a:rPr lang="en-GB" dirty="0"/>
+              <a:t>Adapted from traditional CM</a:t>
+            </a:r>
+          </a:p>
+          <a:p>
+            <a:r>
+              <a:rPr lang="en-GB" dirty="0"/>
+              <a:t>Greater emphasis on tracking changes</a:t>
+            </a:r>
+          </a:p>
+          <a:p>
+            <a:r>
+              <a:rPr lang="en-GB" dirty="0"/>
+              <a:t>Design Document largely replaces CM Planning and Management function</a:t>
+            </a:r>
+          </a:p>
+          <a:p>
+            <a:pPr marL="914400" lvl="1" indent="-457200">
+              <a:buFont typeface="+mj-lt"/>
+              <a:buAutoNum type="arabicPeriod"/>
+            </a:pPr>
+            <a:r>
+              <a:rPr lang="en-GB" dirty="0"/>
+              <a:t>Configuration Identification</a:t>
+            </a:r>
+          </a:p>
+          <a:p>
+            <a:pPr marL="914400" lvl="1" indent="-457200">
+              <a:buFont typeface="+mj-lt"/>
+              <a:buAutoNum type="arabicPeriod"/>
+            </a:pPr>
+            <a:r>
+              <a:rPr lang="en-GB" dirty="0"/>
+              <a:t>Configuration Change Control</a:t>
+            </a:r>
+          </a:p>
+          <a:p>
+            <a:pPr marL="914400" lvl="1" indent="-457200">
+              <a:buFont typeface="+mj-lt"/>
+              <a:buAutoNum type="arabicPeriod"/>
+            </a:pPr>
+            <a:r>
+              <a:rPr lang="en-GB" dirty="0"/>
+              <a:t>Configuration Status Accounting</a:t>
+            </a:r>
+          </a:p>
+          <a:p>
+            <a:pPr marL="914400" lvl="1" indent="-457200">
+              <a:buFont typeface="+mj-lt"/>
+              <a:buAutoNum type="arabicPeriod"/>
+            </a:pPr>
+            <a:r>
+              <a:rPr lang="en-GB" dirty="0"/>
+              <a:t>Configuration Audits</a:t>
+            </a:r>
+          </a:p>
+        </p:txBody>
+      </p:sp>
+    </p:spTree>
+    <p:extLst>
+      <p:ext uri="{BB962C8B-B14F-4D97-AF65-F5344CB8AC3E}">
+        <p14:creationId xmlns:p14="http://schemas.microsoft.com/office/powerpoint/2010/main" val="1783565268"/>
+      </p:ext>
+    </p:extLst>
+  </p:cSld>
+  <p:clrMapOvr>
+    <a:masterClrMapping/>
+  </p:clrMapOvr>
+</p:sld>
+</file>
+
+<file path=ppt/slides/slide9.xml><?xml version="1.0" encoding="utf-8"?>
+<p:sld xmlns:a="http://schemas.openxmlformats.org/drawingml/2006/main" xmlns:r="http://schemas.openxmlformats.org/officeDocument/2006/relationships" xmlns:p="http://schemas.openxmlformats.org/presentationml/2006/main">
+  <p:cSld>
+    <p:spTree>
+      <p:nvGrpSpPr>
+        <p:cNvPr id="1" name=""/>
+        <p:cNvGrpSpPr/>
+        <p:nvPr/>
+      </p:nvGrpSpPr>
+      <p:grpSpPr>
+        <a:xfrm>
+          <a:off x="0" y="0"/>
+          <a:ext cx="0" cy="0"/>
+          <a:chOff x="0" y="0"/>
+          <a:chExt cx="0" cy="0"/>
+        </a:xfrm>
+      </p:grpSpPr>
+      <p:sp>
+        <p:nvSpPr>
+          <p:cNvPr id="2" name="Title 1">
+            <a:extLst>
+              <a:ext uri="{FF2B5EF4-FFF2-40B4-BE49-F238E27FC236}">
+                <a16:creationId xmlns:a16="http://schemas.microsoft.com/office/drawing/2014/main" id="{F5B7E6B5-0B1F-42C4-B1F7-794C495E2E53}"/>
+              </a:ext>
+            </a:extLst>
+          </p:cNvPr>
+          <p:cNvSpPr>
+            <a:spLocks noGrp="1"/>
+          </p:cNvSpPr>
+          <p:nvPr>
+            <p:ph type="title"/>
+          </p:nvPr>
+        </p:nvSpPr>
+        <p:spPr/>
+        <p:txBody>
+          <a:bodyPr/>
+          <a:lstStyle/>
+          <a:p>
+            <a:r>
+              <a:rPr lang="en-GB" dirty="0"/>
+              <a:t>Using configuration management</a:t>
+            </a:r>
+          </a:p>
+        </p:txBody>
+      </p:sp>
+      <p:sp>
+        <p:nvSpPr>
+          <p:cNvPr id="3" name="Text Placeholder 2">
+            <a:extLst>
+              <a:ext uri="{FF2B5EF4-FFF2-40B4-BE49-F238E27FC236}">
+                <a16:creationId xmlns:a16="http://schemas.microsoft.com/office/drawing/2014/main" id="{457238BF-465F-469D-BA81-317851C36AF1}"/>
+              </a:ext>
+            </a:extLst>
+          </p:cNvPr>
+          <p:cNvSpPr>
+            <a:spLocks noGrp="1"/>
+          </p:cNvSpPr>
+          <p:nvPr>
+            <p:ph type="body" idx="1"/>
+          </p:nvPr>
+        </p:nvSpPr>
+        <p:spPr/>
+        <p:txBody>
+          <a:bodyPr>
+            <a:normAutofit/>
+          </a:bodyPr>
+          <a:lstStyle/>
+          <a:p>
+            <a:pPr marL="285750" indent="-285750">
+              <a:buFontTx/>
+              <a:buChar char="-"/>
+            </a:pPr>
+            <a:r>
+              <a:rPr lang="en-GB" dirty="0"/>
+              <a:t>In the office</a:t>
+            </a:r>
+          </a:p>
+          <a:p>
+            <a:pPr marL="285750" indent="-285750">
+              <a:buFontTx/>
+              <a:buChar char="-"/>
+            </a:pPr>
+            <a:r>
+              <a:rPr lang="en-GB" dirty="0"/>
+              <a:t>(S)CM tools</a:t>
+            </a:r>
+          </a:p>
+          <a:p>
+            <a:pPr marL="285750" indent="-285750">
+              <a:buFontTx/>
+              <a:buChar char="-"/>
+            </a:pPr>
+            <a:r>
+              <a:rPr lang="en-GB" dirty="0"/>
+              <a:t>At home</a:t>
+            </a:r>
+          </a:p>
+        </p:txBody>
+      </p:sp>
+    </p:spTree>
+    <p:extLst>
+      <p:ext uri="{BB962C8B-B14F-4D97-AF65-F5344CB8AC3E}">
+        <p14:creationId xmlns:p14="http://schemas.microsoft.com/office/powerpoint/2010/main" val="960428037"/>
       </p:ext>
     </p:extLst>
   </p:cSld>
